--- a/Project Presentation #2 - mandatory 20171206.pptx
+++ b/Project Presentation #2 - mandatory 20171206.pptx
@@ -925,6 +925,86 @@
             </a:r>
             <a:r>
               <a:rPr lang="es-ES" dirty="0" err="1"/>
+              <a:t>its</a:t>
+            </a:r>
+            <a:r>
+              <a:rPr lang="es-ES" dirty="0"/>
+              <a:t> </a:t>
+            </a:r>
+            <a:r>
+              <a:rPr lang="es-ES" dirty="0" err="1"/>
+              <a:t>handleDevice</a:t>
+            </a:r>
+            <a:r>
+              <a:rPr lang="es-ES" dirty="0"/>
+              <a:t> </a:t>
+            </a:r>
+            <a:r>
+              <a:rPr lang="es-ES" dirty="0" err="1"/>
+              <a:t>must</a:t>
+            </a:r>
+            <a:r>
+              <a:rPr lang="es-ES" dirty="0"/>
+              <a:t> be </a:t>
+            </a:r>
+            <a:r>
+              <a:rPr lang="es-ES" dirty="0" err="1"/>
+              <a:t>associated</a:t>
+            </a:r>
+            <a:r>
+              <a:rPr lang="es-ES" dirty="0"/>
+              <a:t> </a:t>
+            </a:r>
+            <a:r>
+              <a:rPr lang="es-ES" dirty="0" err="1"/>
+              <a:t>to</a:t>
+            </a:r>
+            <a:r>
+              <a:rPr lang="es-ES" dirty="0"/>
+              <a:t> </a:t>
+            </a:r>
+            <a:r>
+              <a:rPr lang="es-ES" dirty="0" err="1"/>
+              <a:t>the</a:t>
+            </a:r>
+            <a:r>
+              <a:rPr lang="es-ES" dirty="0"/>
+              <a:t> Co-</a:t>
+            </a:r>
+            <a:r>
+              <a:rPr lang="es-ES" dirty="0" err="1"/>
+              <a:t>Pilot</a:t>
+            </a:r>
+            <a:r>
+              <a:rPr lang="es-ES" dirty="0"/>
+              <a:t> (</a:t>
+            </a:r>
+            <a:r>
+              <a:rPr lang="es-ES" dirty="0" err="1"/>
+              <a:t>because</a:t>
+            </a:r>
+            <a:r>
+              <a:rPr lang="es-ES" dirty="0"/>
+              <a:t>, </a:t>
+            </a:r>
+            <a:r>
+              <a:rPr lang="es-ES" dirty="0" err="1"/>
+              <a:t>if</a:t>
+            </a:r>
+            <a:r>
+              <a:rPr lang="es-ES" dirty="0"/>
+              <a:t> </a:t>
+            </a:r>
+            <a:r>
+              <a:rPr lang="es-ES" dirty="0" err="1"/>
+              <a:t>not</a:t>
+            </a:r>
+            <a:r>
+              <a:rPr lang="es-ES" dirty="0"/>
+              <a:t>, </a:t>
+            </a:r>
+            <a:r>
+              <a:rPr lang="es-ES" dirty="0" err="1"/>
               <a:t>it</a:t>
             </a:r>
             <a:r>
@@ -933,7 +1013,7 @@
             </a:r>
             <a:r>
               <a:rPr lang="es-ES" dirty="0" err="1"/>
-              <a:t>must</a:t>
+              <a:t>will</a:t>
             </a:r>
             <a:r>
               <a:rPr lang="es-ES" dirty="0"/>
@@ -941,31 +1021,31 @@
             </a:r>
             <a:r>
               <a:rPr lang="es-ES" dirty="0" err="1"/>
-              <a:t>associated</a:t>
-            </a:r>
-            <a:r>
-              <a:rPr lang="es-ES" dirty="0"/>
-              <a:t> </a:t>
-            </a:r>
-            <a:r>
-              <a:rPr lang="es-ES" dirty="0" err="1"/>
-              <a:t>its</a:t>
-            </a:r>
-            <a:r>
-              <a:rPr lang="es-ES" dirty="0"/>
-              <a:t> </a:t>
-            </a:r>
-            <a:r>
-              <a:rPr lang="es-ES" dirty="0" err="1"/>
-              <a:t>handleDevice</a:t>
-            </a:r>
-            <a:r>
-              <a:rPr lang="es-ES" dirty="0"/>
-              <a:t> </a:t>
-            </a:r>
-            <a:r>
-              <a:rPr lang="es-ES" dirty="0" err="1"/>
-              <a:t>to</a:t>
+              <a:t>receiving</a:t>
+            </a:r>
+            <a:r>
+              <a:rPr lang="es-ES" dirty="0"/>
+              <a:t> </a:t>
+            </a:r>
+            <a:r>
+              <a:rPr lang="es-ES" dirty="0" err="1"/>
+              <a:t>notifications</a:t>
+            </a:r>
+            <a:r>
+              <a:rPr lang="es-ES" dirty="0"/>
+              <a:t> and </a:t>
+            </a:r>
+            <a:r>
+              <a:rPr lang="es-ES" dirty="0" err="1"/>
+              <a:t>alarms</a:t>
+            </a:r>
+            <a:r>
+              <a:rPr lang="es-ES" dirty="0"/>
+              <a:t> </a:t>
+            </a:r>
+            <a:r>
+              <a:rPr lang="es-ES" dirty="0" err="1"/>
+              <a:t>all</a:t>
             </a:r>
             <a:r>
               <a:rPr lang="es-ES" dirty="0"/>
@@ -977,15 +1057,87 @@
             </a:r>
             <a:r>
               <a:rPr lang="es-ES" dirty="0"/>
-              <a:t> Co-</a:t>
-            </a:r>
-            <a:r>
-              <a:rPr lang="es-ES" dirty="0" err="1"/>
-              <a:t>Pilot</a:t>
-            </a:r>
-            <a:r>
-              <a:rPr lang="es-ES" dirty="0"/>
-              <a:t> and </a:t>
+              <a:t> time </a:t>
+            </a:r>
+            <a:r>
+              <a:rPr lang="es-ES" dirty="0" err="1"/>
+              <a:t>because</a:t>
+            </a:r>
+            <a:r>
+              <a:rPr lang="es-ES" dirty="0"/>
+              <a:t> in </a:t>
+            </a:r>
+            <a:r>
+              <a:rPr lang="es-ES" dirty="0" err="1"/>
+              <a:t>inside</a:t>
+            </a:r>
+            <a:r>
+              <a:rPr lang="es-ES" dirty="0"/>
+              <a:t> </a:t>
+            </a:r>
+            <a:r>
+              <a:rPr lang="es-ES" dirty="0" err="1"/>
+              <a:t>the</a:t>
+            </a:r>
+            <a:r>
+              <a:rPr lang="es-ES" dirty="0"/>
+              <a:t> </a:t>
+            </a:r>
+            <a:r>
+              <a:rPr lang="es-ES" dirty="0" err="1"/>
+              <a:t>vehicle</a:t>
+            </a:r>
+            <a:r>
+              <a:rPr lang="es-ES" dirty="0"/>
+              <a:t> so… </a:t>
+            </a:r>
+            <a:r>
+              <a:rPr lang="es-ES" dirty="0" err="1"/>
+              <a:t>is</a:t>
+            </a:r>
+            <a:r>
+              <a:rPr lang="es-ES" dirty="0"/>
+              <a:t> </a:t>
+            </a:r>
+            <a:r>
+              <a:rPr lang="es-ES" dirty="0" err="1"/>
+              <a:t>inside</a:t>
+            </a:r>
+            <a:r>
+              <a:rPr lang="es-ES" dirty="0"/>
+              <a:t> </a:t>
+            </a:r>
+            <a:r>
+              <a:rPr lang="es-ES" dirty="0" err="1"/>
+              <a:t>the</a:t>
+            </a:r>
+            <a:r>
+              <a:rPr lang="es-ES" dirty="0"/>
+              <a:t> </a:t>
+            </a:r>
+            <a:r>
+              <a:rPr lang="es-ES" dirty="0" err="1"/>
+              <a:t>vehicle</a:t>
+            </a:r>
+            <a:r>
+              <a:rPr lang="es-ES" dirty="0"/>
+              <a:t> </a:t>
+            </a:r>
+            <a:r>
+              <a:rPr lang="es-ES" dirty="0" err="1"/>
+              <a:t>dangerous</a:t>
+            </a:r>
+            <a:r>
+              <a:rPr lang="es-ES" dirty="0"/>
+              <a:t> </a:t>
+            </a:r>
+            <a:r>
+              <a:rPr lang="es-ES" dirty="0" err="1"/>
+              <a:t>range</a:t>
+            </a:r>
+            <a:r>
+              <a:rPr lang="es-ES" dirty="0"/>
+              <a:t>) and </a:t>
             </a:r>
             <a:r>
               <a:rPr lang="es-ES" dirty="0" err="1"/>
@@ -2016,7 +2168,15 @@
             </a:r>
             <a:r>
               <a:rPr lang="es-ES" dirty="0"/>
-              <a:t> pone </a:t>
+              <a:t> </a:t>
+            </a:r>
+            <a:r>
+              <a:rPr lang="es-ES" dirty="0" err="1"/>
+              <a:t>phone</a:t>
+            </a:r>
+            <a:r>
+              <a:rPr lang="es-ES" dirty="0"/>
+              <a:t> </a:t>
             </a:r>
             <a:r>
               <a:rPr lang="es-ES" dirty="0" err="1"/>
@@ -2081,7 +2241,7 @@
               <a:buChar char="-"/>
             </a:pPr>
             <a:r>
-              <a:rPr lang="es-ES" dirty="0"/>
+              <a:rPr lang="es-ES"/>
               <a:t>Server: </a:t>
             </a:r>
             <a:endParaRPr lang="en-GB" dirty="0"/>

--- a/Project Presentation #2 - mandatory 20171206.pptx
+++ b/Project Presentation #2 - mandatory 20171206.pptx
@@ -5,7 +5,7 @@
     <p:sldMasterId id="2147483660" r:id="rId1"/>
   </p:sldMasterIdLst>
   <p:notesMasterIdLst>
-    <p:notesMasterId r:id="rId20"/>
+    <p:notesMasterId r:id="rId23"/>
   </p:notesMasterIdLst>
   <p:sldIdLst>
     <p:sldId id="257" r:id="rId2"/>
@@ -26,6 +26,9 @@
     <p:sldId id="272" r:id="rId17"/>
     <p:sldId id="274" r:id="rId18"/>
     <p:sldId id="273" r:id="rId19"/>
+    <p:sldId id="277" r:id="rId20"/>
+    <p:sldId id="276" r:id="rId21"/>
+    <p:sldId id="279" r:id="rId22"/>
   </p:sldIdLst>
   <p:sldSz cx="9144000" cy="6858000" type="screen4x3"/>
   <p:notesSz cx="6858000" cy="9144000"/>
@@ -155,6 +158,9 @@
             <p14:sldId id="272"/>
             <p14:sldId id="274"/>
             <p14:sldId id="273"/>
+            <p14:sldId id="277"/>
+            <p14:sldId id="276"/>
+            <p14:sldId id="279"/>
           </p14:sldIdLst>
         </p14:section>
       </p14:sectionLst>
@@ -570,7 +576,7 @@
               </a14:hiddenFill>
             </a:ext>
             <a:ext uri="{FAA26D3D-D897-4be2-8F04-BA451C77F1D7}">
-              <ma14:placeholderFlag xmlns:ma14="http://schemas.microsoft.com/office/mac/drawingml/2011/main" xmlns="" val="1"/>
+              <ma14:placeholderFlag xmlns="" xmlns:ma14="http://schemas.microsoft.com/office/mac/drawingml/2011/main" val="1"/>
             </a:ext>
           </a:extLst>
         </p:spPr>
@@ -606,7 +612,7 @@
               </a14:hiddenLine>
             </a:ext>
             <a:ext uri="{FAA26D3D-D897-4be2-8F04-BA451C77F1D7}">
-              <ma14:placeholderFlag xmlns:ma14="http://schemas.microsoft.com/office/mac/drawingml/2011/main" xmlns="" val="1"/>
+              <ma14:placeholderFlag xmlns="" xmlns:ma14="http://schemas.microsoft.com/office/mac/drawingml/2011/main" val="1"/>
             </a:ext>
           </a:extLst>
         </p:spPr>
@@ -7216,7 +7222,10 @@
           <a:bodyPr/>
           <a:lstStyle/>
           <a:p>
-            <a:endParaRPr lang="en-GB"/>
+            <a:r>
+              <a:rPr lang="en-GB" dirty="0"/>
+              <a:t>REMAINING TIME</a:t>
+            </a:r>
           </a:p>
         </p:txBody>
       </p:sp>
@@ -7236,19 +7245,522 @@
             <p:ph sz="quarter" idx="10"/>
           </p:nvPr>
         </p:nvSpPr>
+        <p:spPr>
+          <a:xfrm>
+            <a:off x="1343784" y="1917223"/>
+            <a:ext cx="5893594" cy="3643313"/>
+          </a:xfrm>
+        </p:spPr>
+        <p:txBody>
+          <a:bodyPr/>
+          <a:lstStyle/>
+          <a:p>
+            <a:pPr lvl="5"/>
+            <a:endParaRPr lang="en-GB" sz="2527" kern="1200" dirty="0">
+              <a:latin typeface="+mn-lt"/>
+              <a:cs typeface="+mn-cs"/>
+            </a:endParaRPr>
+          </a:p>
+          <a:p>
+            <a:pPr lvl="5"/>
+            <a:r>
+              <a:rPr lang="en-GB" sz="2527" kern="1200" dirty="0">
+                <a:latin typeface="+mn-lt"/>
+                <a:cs typeface="+mn-cs"/>
+              </a:rPr>
+              <a:t>We will implement</a:t>
+            </a:r>
+          </a:p>
+          <a:p>
+            <a:pPr marL="0" indent="0">
+              <a:buNone/>
+            </a:pPr>
+            <a:endParaRPr lang="en-GB" sz="2000" kern="1200" dirty="0">
+              <a:latin typeface="+mn-lt"/>
+              <a:cs typeface="+mn-cs"/>
+            </a:endParaRPr>
+          </a:p>
+          <a:p>
+            <a:endParaRPr lang="en-GB" sz="2000" kern="1200" dirty="0">
+              <a:latin typeface="+mn-lt"/>
+              <a:cs typeface="+mn-cs"/>
+            </a:endParaRPr>
+          </a:p>
+          <a:p>
+            <a:endParaRPr lang="en-GB" sz="2000" kern="1200" dirty="0">
+              <a:latin typeface="+mn-lt"/>
+              <a:cs typeface="+mn-cs"/>
+            </a:endParaRPr>
+          </a:p>
+          <a:p>
+            <a:endParaRPr lang="en-GB" sz="2000" kern="1200" dirty="0">
+              <a:latin typeface="+mn-lt"/>
+              <a:cs typeface="+mn-cs"/>
+            </a:endParaRPr>
+          </a:p>
+          <a:p>
+            <a:pPr marL="0" indent="0">
+              <a:buNone/>
+            </a:pPr>
+            <a:r>
+              <a:rPr lang="en-GB" sz="2000" kern="1200" dirty="0">
+                <a:latin typeface="+mn-lt"/>
+                <a:cs typeface="+mn-cs"/>
+              </a:rPr>
+              <a:t> 		</a:t>
+            </a:r>
+          </a:p>
+          <a:p>
+            <a:pPr marL="0" indent="0" algn="ctr">
+              <a:buNone/>
+            </a:pPr>
+            <a:r>
+              <a:rPr lang="en-GB" sz="2527" kern="1200" dirty="0">
+                <a:latin typeface="+mn-lt"/>
+                <a:cs typeface="+mn-cs"/>
+              </a:rPr>
+              <a:t>We will test </a:t>
+            </a:r>
+          </a:p>
+        </p:txBody>
+      </p:sp>
+      <p:cxnSp>
+        <p:nvCxnSpPr>
+          <p:cNvPr id="19" name="Conector: curvado 18">
+            <a:extLst>
+              <a:ext uri="{FF2B5EF4-FFF2-40B4-BE49-F238E27FC236}">
+                <a16:creationId xmlns:a16="http://schemas.microsoft.com/office/drawing/2014/main" id="{0D4ED4A5-EC7D-4215-B4CA-C68F5B37CFC8}"/>
+              </a:ext>
+            </a:extLst>
+          </p:cNvPr>
+          <p:cNvCxnSpPr>
+            <a:cxnSpLocks/>
+          </p:cNvCxnSpPr>
+          <p:nvPr/>
+        </p:nvCxnSpPr>
+        <p:spPr bwMode="auto">
+          <a:xfrm rot="16200000" flipH="1">
+            <a:off x="4419578" y="1852159"/>
+            <a:ext cx="1297463" cy="992619"/>
+          </a:xfrm>
+          <a:prstGeom prst="curvedConnector3">
+            <a:avLst>
+              <a:gd name="adj1" fmla="val -17619"/>
+            </a:avLst>
+          </a:prstGeom>
+          <a:blipFill dpi="0" rotWithShape="0">
+            <a:blip r:embed="rId2"/>
+            <a:srcRect/>
+            <a:tile tx="0" ty="0" sx="100000" sy="100000" flip="none" algn="tl"/>
+          </a:blipFill>
+          <a:ln w="25400" cap="flat" cmpd="sng" algn="ctr">
+            <a:noFill/>
+            <a:prstDash val="solid"/>
+            <a:round/>
+            <a:headEnd type="none" w="med" len="med"/>
+            <a:tailEnd type="none" w="med" len="med"/>
+          </a:ln>
+          <a:effectLst/>
+        </p:spPr>
+      </p:cxnSp>
+      <p:cxnSp>
+        <p:nvCxnSpPr>
+          <p:cNvPr id="34" name="Conector recto de flecha 33">
+            <a:extLst>
+              <a:ext uri="{FF2B5EF4-FFF2-40B4-BE49-F238E27FC236}">
+                <a16:creationId xmlns:a16="http://schemas.microsoft.com/office/drawing/2014/main" id="{1B693F99-7EF6-4860-9FEC-E08F1E7F8110}"/>
+              </a:ext>
+            </a:extLst>
+          </p:cNvPr>
+          <p:cNvCxnSpPr>
+            <a:cxnSpLocks/>
+          </p:cNvCxnSpPr>
+          <p:nvPr/>
+        </p:nvCxnSpPr>
+        <p:spPr bwMode="auto">
+          <a:xfrm>
+            <a:off x="4714240" y="2773680"/>
+            <a:ext cx="0" cy="1727200"/>
+          </a:xfrm>
+          <a:prstGeom prst="straightConnector1">
+            <a:avLst/>
+          </a:prstGeom>
+          <a:ln w="38100">
+            <a:headEnd type="none" w="med" len="med"/>
+            <a:tailEnd type="triangle"/>
+          </a:ln>
+        </p:spPr>
+        <p:style>
+          <a:lnRef idx="1">
+            <a:schemeClr val="accent1"/>
+          </a:lnRef>
+          <a:fillRef idx="0">
+            <a:schemeClr val="accent1"/>
+          </a:fillRef>
+          <a:effectRef idx="0">
+            <a:schemeClr val="accent1"/>
+          </a:effectRef>
+          <a:fontRef idx="minor">
+            <a:schemeClr val="tx1"/>
+          </a:fontRef>
+        </p:style>
+      </p:cxnSp>
+      <p:cxnSp>
+        <p:nvCxnSpPr>
+          <p:cNvPr id="36" name="Conector recto de flecha 35">
+            <a:extLst>
+              <a:ext uri="{FF2B5EF4-FFF2-40B4-BE49-F238E27FC236}">
+                <a16:creationId xmlns:a16="http://schemas.microsoft.com/office/drawing/2014/main" id="{F643AF7C-9F9A-4858-827D-293FFADA1251}"/>
+              </a:ext>
+            </a:extLst>
+          </p:cNvPr>
+          <p:cNvCxnSpPr>
+            <a:cxnSpLocks/>
+          </p:cNvCxnSpPr>
+          <p:nvPr/>
+        </p:nvCxnSpPr>
+        <p:spPr bwMode="auto">
+          <a:xfrm flipV="1">
+            <a:off x="4053840" y="2773680"/>
+            <a:ext cx="0" cy="1635760"/>
+          </a:xfrm>
+          <a:prstGeom prst="straightConnector1">
+            <a:avLst/>
+          </a:prstGeom>
+          <a:ln w="38100">
+            <a:headEnd type="none" w="med" len="med"/>
+            <a:tailEnd type="triangle"/>
+          </a:ln>
+        </p:spPr>
+        <p:style>
+          <a:lnRef idx="1">
+            <a:schemeClr val="accent1"/>
+          </a:lnRef>
+          <a:fillRef idx="0">
+            <a:schemeClr val="accent1"/>
+          </a:fillRef>
+          <a:effectRef idx="0">
+            <a:schemeClr val="accent1"/>
+          </a:effectRef>
+          <a:fontRef idx="minor">
+            <a:schemeClr val="tx1"/>
+          </a:fontRef>
+        </p:style>
+      </p:cxnSp>
+    </p:spTree>
+    <p:extLst>
+      <p:ext uri="{BB962C8B-B14F-4D97-AF65-F5344CB8AC3E}">
+        <p14:creationId xmlns:p14="http://schemas.microsoft.com/office/powerpoint/2010/main" val="3767553803"/>
+      </p:ext>
+    </p:extLst>
+  </p:cSld>
+  <p:clrMapOvr>
+    <a:masterClrMapping/>
+  </p:clrMapOvr>
+  <p:transition/>
+</p:sld>
+</file>
+
+<file path=ppt/slides/slide19.xml><?xml version="1.0" encoding="utf-8"?>
+<p:sld xmlns:a="http://schemas.openxmlformats.org/drawingml/2006/main" xmlns:r="http://schemas.openxmlformats.org/officeDocument/2006/relationships" xmlns:p="http://schemas.openxmlformats.org/presentationml/2006/main">
+  <p:cSld>
+    <p:spTree>
+      <p:nvGrpSpPr>
+        <p:cNvPr id="1" name=""/>
+        <p:cNvGrpSpPr/>
+        <p:nvPr/>
+      </p:nvGrpSpPr>
+      <p:grpSpPr>
+        <a:xfrm>
+          <a:off x="0" y="0"/>
+          <a:ext cx="0" cy="0"/>
+          <a:chOff x="0" y="0"/>
+          <a:chExt cx="0" cy="0"/>
+        </a:xfrm>
+      </p:grpSpPr>
+      <p:sp>
+        <p:nvSpPr>
+          <p:cNvPr id="2" name="Título 1">
+            <a:extLst>
+              <a:ext uri="{FF2B5EF4-FFF2-40B4-BE49-F238E27FC236}">
+                <a16:creationId xmlns:a16="http://schemas.microsoft.com/office/drawing/2014/main" id="{8A8749D7-C562-4401-9E44-0CE7313E1AF1}"/>
+              </a:ext>
+            </a:extLst>
+          </p:cNvPr>
+          <p:cNvSpPr>
+            <a:spLocks noGrp="1"/>
+          </p:cNvSpPr>
+          <p:nvPr>
+            <p:ph type="title"/>
+          </p:nvPr>
+        </p:nvSpPr>
         <p:spPr/>
         <p:txBody>
           <a:bodyPr/>
           <a:lstStyle/>
           <a:p>
-            <a:endParaRPr lang="en-GB"/>
+            <a:r>
+              <a:rPr lang="es-ES" dirty="0"/>
+              <a:t>FOR TESTING</a:t>
+            </a:r>
+          </a:p>
+        </p:txBody>
+      </p:sp>
+      <p:pic>
+        <p:nvPicPr>
+          <p:cNvPr id="5" name="Marcador de contenido 4">
+            <a:extLst>
+              <a:ext uri="{FF2B5EF4-FFF2-40B4-BE49-F238E27FC236}">
+                <a16:creationId xmlns:a16="http://schemas.microsoft.com/office/drawing/2014/main" id="{3548BB9F-63DF-4794-8FF2-6935280A7093}"/>
+              </a:ext>
+            </a:extLst>
+          </p:cNvPr>
+          <p:cNvPicPr>
+            <a:picLocks noGrp="1" noChangeAspect="1"/>
+          </p:cNvPicPr>
+          <p:nvPr>
+            <p:ph sz="quarter" idx="10"/>
+          </p:nvPr>
+        </p:nvPicPr>
+        <p:blipFill>
+          <a:blip r:embed="rId2">
+            <a:extLst>
+              <a:ext uri="{28A0092B-C50C-407E-A947-70E740481C1C}">
+                <a14:useLocalDpi xmlns:a14="http://schemas.microsoft.com/office/drawing/2010/main" val="0"/>
+              </a:ext>
+            </a:extLst>
+          </a:blip>
+          <a:stretch>
+            <a:fillRect/>
+          </a:stretch>
+        </p:blipFill>
+        <p:spPr>
+          <a:xfrm>
+            <a:off x="5111036" y="1676825"/>
+            <a:ext cx="3169364" cy="4225819"/>
+          </a:xfrm>
+        </p:spPr>
+      </p:pic>
+      <p:sp>
+        <p:nvSpPr>
+          <p:cNvPr id="6" name="CuadroTexto 5">
+            <a:extLst>
+              <a:ext uri="{FF2B5EF4-FFF2-40B4-BE49-F238E27FC236}">
+                <a16:creationId xmlns:a16="http://schemas.microsoft.com/office/drawing/2014/main" id="{0A7A8EDB-137E-4DC5-9D56-EE089F62689F}"/>
+              </a:ext>
+            </a:extLst>
+          </p:cNvPr>
+          <p:cNvSpPr txBox="1"/>
+          <p:nvPr/>
+        </p:nvSpPr>
+        <p:spPr>
+          <a:xfrm>
+            <a:off x="521221" y="2052374"/>
+            <a:ext cx="3769360" cy="2585323"/>
+          </a:xfrm>
+          <a:prstGeom prst="rect">
+            <a:avLst/>
+          </a:prstGeom>
+          <a:noFill/>
+        </p:spPr>
+        <p:txBody>
+          <a:bodyPr wrap="square" rtlCol="0">
+            <a:spAutoFit/>
+          </a:bodyPr>
+          <a:lstStyle/>
+          <a:p>
+            <a:pPr marL="285750" indent="-285750">
+              <a:buFont typeface="Arial" panose="020B0604020202020204" pitchFamily="34" charset="0"/>
+              <a:buChar char="•"/>
+            </a:pPr>
+            <a:r>
+              <a:rPr lang="es-ES" dirty="0" err="1"/>
+              <a:t>We</a:t>
+            </a:r>
+            <a:r>
+              <a:rPr lang="es-ES" dirty="0"/>
+              <a:t> are </a:t>
+            </a:r>
+            <a:r>
+              <a:rPr lang="es-ES" dirty="0" err="1"/>
+              <a:t>waiting</a:t>
+            </a:r>
+            <a:r>
+              <a:rPr lang="es-ES" dirty="0"/>
+              <a:t> </a:t>
+            </a:r>
+            <a:r>
+              <a:rPr lang="es-ES" dirty="0" err="1"/>
+              <a:t>for</a:t>
+            </a:r>
+            <a:r>
+              <a:rPr lang="es-ES" dirty="0"/>
+              <a:t> </a:t>
+            </a:r>
+            <a:r>
+              <a:rPr lang="es-ES" dirty="0" err="1"/>
+              <a:t>Adnan</a:t>
+            </a:r>
+            <a:r>
+              <a:rPr lang="es-ES" dirty="0"/>
+              <a:t> </a:t>
+            </a:r>
+            <a:r>
+              <a:rPr lang="es-ES" dirty="0" err="1"/>
+              <a:t>instructions</a:t>
+            </a:r>
+            <a:r>
+              <a:rPr lang="es-ES" dirty="0"/>
+              <a:t>.</a:t>
+            </a:r>
+          </a:p>
+          <a:p>
+            <a:endParaRPr lang="es-ES" dirty="0"/>
+          </a:p>
+          <a:p>
+            <a:pPr marL="285750" indent="-285750">
+              <a:buFont typeface="Arial" panose="020B0604020202020204" pitchFamily="34" charset="0"/>
+              <a:buChar char="•"/>
+            </a:pPr>
+            <a:r>
+              <a:rPr lang="es-ES" dirty="0" err="1"/>
+              <a:t>We</a:t>
+            </a:r>
+            <a:r>
+              <a:rPr lang="es-ES" dirty="0"/>
+              <a:t> </a:t>
+            </a:r>
+            <a:r>
+              <a:rPr lang="es-ES" dirty="0" err="1"/>
+              <a:t>will</a:t>
+            </a:r>
+            <a:r>
+              <a:rPr lang="es-ES" dirty="0"/>
+              <a:t> </a:t>
+            </a:r>
+            <a:r>
+              <a:rPr lang="es-ES" dirty="0" err="1"/>
+              <a:t>have</a:t>
+            </a:r>
+            <a:r>
+              <a:rPr lang="es-ES" dirty="0"/>
+              <a:t> </a:t>
+            </a:r>
+            <a:r>
+              <a:rPr lang="es-ES" dirty="0" err="1"/>
+              <a:t>another</a:t>
+            </a:r>
+            <a:r>
+              <a:rPr lang="es-ES" dirty="0"/>
+              <a:t> meeting </a:t>
+            </a:r>
+            <a:r>
+              <a:rPr lang="es-ES" dirty="0" err="1"/>
+              <a:t>with</a:t>
+            </a:r>
+            <a:r>
+              <a:rPr lang="es-ES" dirty="0"/>
+              <a:t> </a:t>
+            </a:r>
+            <a:r>
+              <a:rPr lang="es-ES" dirty="0" err="1"/>
+              <a:t>the</a:t>
+            </a:r>
+            <a:r>
+              <a:rPr lang="es-ES" dirty="0"/>
+              <a:t> </a:t>
+            </a:r>
+            <a:r>
+              <a:rPr lang="es-ES" dirty="0" err="1"/>
+              <a:t>client</a:t>
+            </a:r>
+            <a:r>
+              <a:rPr lang="es-ES" dirty="0"/>
+              <a:t> </a:t>
+            </a:r>
+            <a:r>
+              <a:rPr lang="es-ES" dirty="0" err="1"/>
+              <a:t>on</a:t>
+            </a:r>
+            <a:r>
+              <a:rPr lang="es-ES" dirty="0"/>
+              <a:t> Skype.</a:t>
+            </a:r>
+          </a:p>
+          <a:p>
+            <a:endParaRPr lang="es-ES" dirty="0"/>
+          </a:p>
+          <a:p>
+            <a:pPr marL="285750" indent="-285750">
+              <a:buFont typeface="Arial" panose="020B0604020202020204" pitchFamily="34" charset="0"/>
+              <a:buChar char="•"/>
+            </a:pPr>
+            <a:r>
+              <a:rPr lang="es-ES" dirty="0" err="1"/>
+              <a:t>We</a:t>
+            </a:r>
+            <a:r>
+              <a:rPr lang="es-ES" dirty="0"/>
+              <a:t> </a:t>
+            </a:r>
+            <a:r>
+              <a:rPr lang="es-ES" dirty="0" err="1"/>
+              <a:t>will</a:t>
+            </a:r>
+            <a:r>
+              <a:rPr lang="es-ES" dirty="0"/>
+              <a:t> </a:t>
+            </a:r>
+            <a:r>
+              <a:rPr lang="es-ES" dirty="0" err="1"/>
+              <a:t>have</a:t>
+            </a:r>
+            <a:r>
+              <a:rPr lang="es-ES" dirty="0"/>
+              <a:t> a meeting </a:t>
+            </a:r>
+            <a:r>
+              <a:rPr lang="es-ES" dirty="0" err="1"/>
+              <a:t>before</a:t>
+            </a:r>
+            <a:r>
+              <a:rPr lang="es-ES" dirty="0"/>
+              <a:t> christmas </a:t>
+            </a:r>
+            <a:r>
+              <a:rPr lang="es-ES" dirty="0" err="1"/>
+              <a:t>to</a:t>
+            </a:r>
+            <a:r>
+              <a:rPr lang="es-ES" dirty="0"/>
+              <a:t> revise </a:t>
+            </a:r>
+            <a:r>
+              <a:rPr lang="es-ES" dirty="0" err="1"/>
+              <a:t>the</a:t>
+            </a:r>
+            <a:r>
+              <a:rPr lang="es-ES" dirty="0"/>
+              <a:t> </a:t>
+            </a:r>
+            <a:r>
+              <a:rPr lang="es-ES" dirty="0" err="1"/>
+              <a:t>code</a:t>
+            </a:r>
+            <a:r>
+              <a:rPr lang="es-ES" dirty="0"/>
+              <a:t> </a:t>
+            </a:r>
+          </a:p>
+          <a:p>
+            <a:endParaRPr lang="es-ES" dirty="0"/>
           </a:p>
         </p:txBody>
       </p:sp>
     </p:spTree>
     <p:extLst>
       <p:ext uri="{BB962C8B-B14F-4D97-AF65-F5344CB8AC3E}">
-        <p14:creationId xmlns:p14="http://schemas.microsoft.com/office/powerpoint/2010/main" val="3767553803"/>
+        <p14:creationId xmlns:p14="http://schemas.microsoft.com/office/powerpoint/2010/main" val="2995454229"/>
       </p:ext>
     </p:extLst>
   </p:cSld>
@@ -7342,6 +7854,444 @@
     <a:masterClrMapping/>
   </p:clrMapOvr>
   <p:transition/>
+</p:sld>
+</file>
+
+<file path=ppt/slides/slide20.xml><?xml version="1.0" encoding="utf-8"?>
+<p:sld xmlns:a="http://schemas.openxmlformats.org/drawingml/2006/main" xmlns:r="http://schemas.openxmlformats.org/officeDocument/2006/relationships" xmlns:p="http://schemas.openxmlformats.org/presentationml/2006/main">
+  <p:cSld>
+    <p:spTree>
+      <p:nvGrpSpPr>
+        <p:cNvPr id="1" name=""/>
+        <p:cNvGrpSpPr/>
+        <p:nvPr/>
+      </p:nvGrpSpPr>
+      <p:grpSpPr>
+        <a:xfrm>
+          <a:off x="0" y="0"/>
+          <a:ext cx="0" cy="0"/>
+          <a:chOff x="0" y="0"/>
+          <a:chExt cx="0" cy="0"/>
+        </a:xfrm>
+      </p:grpSpPr>
+      <p:sp>
+        <p:nvSpPr>
+          <p:cNvPr id="2" name="Título 1">
+            <a:extLst>
+              <a:ext uri="{FF2B5EF4-FFF2-40B4-BE49-F238E27FC236}">
+                <a16:creationId xmlns:a16="http://schemas.microsoft.com/office/drawing/2014/main" id="{17A15FD0-6B28-4BA3-9CF5-35CE1A78A131}"/>
+              </a:ext>
+            </a:extLst>
+          </p:cNvPr>
+          <p:cNvSpPr>
+            <a:spLocks noGrp="1"/>
+          </p:cNvSpPr>
+          <p:nvPr>
+            <p:ph type="title"/>
+          </p:nvPr>
+        </p:nvSpPr>
+        <p:spPr/>
+        <p:txBody>
+          <a:bodyPr/>
+          <a:lstStyle/>
+          <a:p>
+            <a:r>
+              <a:rPr lang="es-ES" dirty="0"/>
+              <a:t>SOME IDEAS</a:t>
+            </a:r>
+          </a:p>
+        </p:txBody>
+      </p:sp>
+      <p:sp>
+        <p:nvSpPr>
+          <p:cNvPr id="3" name="Marcador de contenido 2">
+            <a:extLst>
+              <a:ext uri="{FF2B5EF4-FFF2-40B4-BE49-F238E27FC236}">
+                <a16:creationId xmlns:a16="http://schemas.microsoft.com/office/drawing/2014/main" id="{85B8316E-4F08-43E4-A845-96ECE555F62E}"/>
+              </a:ext>
+            </a:extLst>
+          </p:cNvPr>
+          <p:cNvSpPr>
+            <a:spLocks noGrp="1"/>
+          </p:cNvSpPr>
+          <p:nvPr>
+            <p:ph sz="quarter" idx="10"/>
+          </p:nvPr>
+        </p:nvSpPr>
+        <p:spPr/>
+        <p:txBody>
+          <a:bodyPr/>
+          <a:lstStyle/>
+          <a:p>
+            <a:r>
+              <a:rPr lang="es-ES" sz="2000" i="0" dirty="0" err="1"/>
+              <a:t>Multiple</a:t>
+            </a:r>
+            <a:r>
+              <a:rPr lang="es-ES" sz="2000" i="0" dirty="0"/>
+              <a:t>  </a:t>
+            </a:r>
+            <a:r>
+              <a:rPr lang="es-ES" sz="2000" i="0" dirty="0" err="1"/>
+              <a:t>construction</a:t>
+            </a:r>
+            <a:r>
+              <a:rPr lang="es-ES" sz="2000" i="0" dirty="0"/>
+              <a:t> </a:t>
+            </a:r>
+            <a:r>
+              <a:rPr lang="es-ES" sz="2000" i="0" dirty="0" err="1"/>
+              <a:t>areas</a:t>
+            </a:r>
+            <a:r>
+              <a:rPr lang="es-ES" sz="2000" i="0" dirty="0"/>
+              <a:t>.</a:t>
+            </a:r>
+          </a:p>
+          <a:p>
+            <a:pPr marL="0" indent="0">
+              <a:buNone/>
+            </a:pPr>
+            <a:endParaRPr lang="es-ES" sz="2000" i="0" dirty="0"/>
+          </a:p>
+          <a:p>
+            <a:r>
+              <a:rPr lang="es-ES" sz="2000" i="0" dirty="0"/>
+              <a:t>A </a:t>
+            </a:r>
+            <a:r>
+              <a:rPr lang="es-ES" sz="2000" i="0" dirty="0" err="1"/>
+              <a:t>map</a:t>
+            </a:r>
+            <a:r>
+              <a:rPr lang="es-ES" sz="2000" i="0" dirty="0"/>
+              <a:t> </a:t>
+            </a:r>
+            <a:r>
+              <a:rPr lang="es-ES" sz="2000" i="0" dirty="0" err="1"/>
+              <a:t>from</a:t>
+            </a:r>
+            <a:r>
+              <a:rPr lang="es-ES" sz="2000" i="0" dirty="0"/>
+              <a:t> </a:t>
+            </a:r>
+            <a:r>
+              <a:rPr lang="es-ES" sz="2000" i="0" dirty="0" err="1"/>
+              <a:t>above</a:t>
+            </a:r>
+            <a:r>
+              <a:rPr lang="es-ES" sz="2000" i="0" dirty="0"/>
+              <a:t>.</a:t>
+            </a:r>
+          </a:p>
+          <a:p>
+            <a:pPr marL="0" indent="0">
+              <a:buNone/>
+            </a:pPr>
+            <a:endParaRPr lang="es-ES" sz="2000" i="0" dirty="0"/>
+          </a:p>
+          <a:p>
+            <a:r>
+              <a:rPr lang="es-ES" sz="2000" i="0" dirty="0" err="1"/>
+              <a:t>Emergency</a:t>
+            </a:r>
+            <a:r>
+              <a:rPr lang="es-ES" sz="2000" i="0" dirty="0"/>
+              <a:t> </a:t>
+            </a:r>
+            <a:r>
+              <a:rPr lang="es-ES" sz="2000" i="0" dirty="0" err="1"/>
+              <a:t>button</a:t>
+            </a:r>
+            <a:r>
+              <a:rPr lang="es-ES" sz="2000" i="0" dirty="0"/>
+              <a:t>.</a:t>
+            </a:r>
+          </a:p>
+          <a:p>
+            <a:pPr marL="0" indent="0">
+              <a:buNone/>
+            </a:pPr>
+            <a:endParaRPr lang="es-ES" sz="2000" i="0" dirty="0"/>
+          </a:p>
+          <a:p>
+            <a:r>
+              <a:rPr lang="es-ES" sz="2000" i="0" dirty="0"/>
+              <a:t>Mutable </a:t>
+            </a:r>
+            <a:r>
+              <a:rPr lang="es-ES" sz="2000" i="0" dirty="0" err="1"/>
+              <a:t>alarms</a:t>
+            </a:r>
+            <a:r>
+              <a:rPr lang="es-ES" sz="2000" i="0" dirty="0"/>
+              <a:t>.</a:t>
+            </a:r>
+          </a:p>
+          <a:p>
+            <a:pPr marL="0" indent="0">
+              <a:buNone/>
+            </a:pPr>
+            <a:endParaRPr lang="es-ES" dirty="0"/>
+          </a:p>
+        </p:txBody>
+      </p:sp>
+    </p:spTree>
+    <p:extLst>
+      <p:ext uri="{BB962C8B-B14F-4D97-AF65-F5344CB8AC3E}">
+        <p14:creationId xmlns:p14="http://schemas.microsoft.com/office/powerpoint/2010/main" val="1192058459"/>
+      </p:ext>
+    </p:extLst>
+  </p:cSld>
+  <p:clrMapOvr>
+    <a:masterClrMapping/>
+  </p:clrMapOvr>
+  <p:transition/>
+</p:sld>
+</file>
+
+<file path=ppt/slides/slide21.xml><?xml version="1.0" encoding="utf-8"?>
+<p:sld xmlns:a="http://schemas.openxmlformats.org/drawingml/2006/main" xmlns:r="http://schemas.openxmlformats.org/officeDocument/2006/relationships" xmlns:p="http://schemas.openxmlformats.org/presentationml/2006/main">
+  <p:cSld>
+    <p:spTree>
+      <p:nvGrpSpPr>
+        <p:cNvPr id="1" name=""/>
+        <p:cNvGrpSpPr/>
+        <p:nvPr/>
+      </p:nvGrpSpPr>
+      <p:grpSpPr>
+        <a:xfrm>
+          <a:off x="0" y="0"/>
+          <a:ext cx="0" cy="0"/>
+          <a:chOff x="0" y="0"/>
+          <a:chExt cx="0" cy="0"/>
+        </a:xfrm>
+      </p:grpSpPr>
+      <p:pic>
+        <p:nvPicPr>
+          <p:cNvPr id="3" name="Picture 2">
+            <a:extLst>
+              <a:ext uri="{FF2B5EF4-FFF2-40B4-BE49-F238E27FC236}">
+                <a16:creationId xmlns:a16="http://schemas.microsoft.com/office/drawing/2014/main" id="{3E8C0368-5336-4E8B-A762-89EC0BBE1AD0}"/>
+              </a:ext>
+            </a:extLst>
+          </p:cNvPr>
+          <p:cNvPicPr>
+            <a:picLocks noChangeAspect="1"/>
+          </p:cNvPicPr>
+          <p:nvPr/>
+        </p:nvPicPr>
+        <p:blipFill rotWithShape="1">
+          <a:blip r:embed="rId2"/>
+          <a:srcRect b="3704"/>
+          <a:stretch/>
+        </p:blipFill>
+        <p:spPr>
+          <a:xfrm>
+            <a:off x="1331640" y="1808820"/>
+            <a:ext cx="6379459" cy="4607387"/>
+          </a:xfrm>
+          <a:prstGeom prst="rect">
+            <a:avLst/>
+          </a:prstGeom>
+        </p:spPr>
+      </p:pic>
+      <p:pic>
+        <p:nvPicPr>
+          <p:cNvPr id="8" name="Picture 7">
+            <a:extLst>
+              <a:ext uri="{FF2B5EF4-FFF2-40B4-BE49-F238E27FC236}">
+                <a16:creationId xmlns:a16="http://schemas.microsoft.com/office/drawing/2014/main" id="{AD89858C-1B63-467B-BE1B-297E967C376E}"/>
+              </a:ext>
+            </a:extLst>
+          </p:cNvPr>
+          <p:cNvPicPr>
+            <a:picLocks noChangeAspect="1"/>
+          </p:cNvPicPr>
+          <p:nvPr/>
+        </p:nvPicPr>
+        <p:blipFill>
+          <a:blip r:embed="rId3"/>
+          <a:stretch>
+            <a:fillRect/>
+          </a:stretch>
+        </p:blipFill>
+        <p:spPr>
+          <a:xfrm>
+            <a:off x="33253" y="298390"/>
+            <a:ext cx="1464880" cy="1328418"/>
+          </a:xfrm>
+          <a:prstGeom prst="rect">
+            <a:avLst/>
+          </a:prstGeom>
+        </p:spPr>
+      </p:pic>
+    </p:spTree>
+    <p:extLst>
+      <p:ext uri="{BB962C8B-B14F-4D97-AF65-F5344CB8AC3E}">
+        <p14:creationId xmlns:p14="http://schemas.microsoft.com/office/powerpoint/2010/main" val="3850862344"/>
+      </p:ext>
+    </p:extLst>
+  </p:cSld>
+  <p:clrMapOvr>
+    <a:masterClrMapping/>
+  </p:clrMapOvr>
+  <p:transition/>
+  <p:timing>
+    <p:tnLst>
+      <p:par>
+        <p:cTn id="1" dur="indefinite" restart="never" nodeType="tmRoot">
+          <p:childTnLst>
+            <p:seq concurrent="1" nextAc="seek">
+              <p:cTn id="2" dur="indefinite" nodeType="mainSeq">
+                <p:childTnLst>
+                  <p:par>
+                    <p:cTn id="3" fill="hold">
+                      <p:stCondLst>
+                        <p:cond delay="indefinite"/>
+                        <p:cond evt="onBegin" delay="0">
+                          <p:tn val="2"/>
+                        </p:cond>
+                      </p:stCondLst>
+                      <p:childTnLst>
+                        <p:par>
+                          <p:cTn id="4" fill="hold">
+                            <p:stCondLst>
+                              <p:cond delay="0"/>
+                            </p:stCondLst>
+                            <p:childTnLst>
+                              <p:par>
+                                <p:cTn id="5" presetID="31" presetClass="entr" presetSubtype="0" fill="hold" nodeType="withEffect">
+                                  <p:stCondLst>
+                                    <p:cond delay="0"/>
+                                  </p:stCondLst>
+                                  <p:childTnLst>
+                                    <p:set>
+                                      <p:cBhvr>
+                                        <p:cTn id="6" dur="1" fill="hold">
+                                          <p:stCondLst>
+                                            <p:cond delay="0"/>
+                                          </p:stCondLst>
+                                        </p:cTn>
+                                        <p:tgtEl>
+                                          <p:spTgt spid="3"/>
+                                        </p:tgtEl>
+                                        <p:attrNameLst>
+                                          <p:attrName>style.visibility</p:attrName>
+                                        </p:attrNameLst>
+                                      </p:cBhvr>
+                                      <p:to>
+                                        <p:strVal val="visible"/>
+                                      </p:to>
+                                    </p:set>
+                                    <p:anim calcmode="lin" valueType="num">
+                                      <p:cBhvr>
+                                        <p:cTn id="7" dur="1000" fill="hold"/>
+                                        <p:tgtEl>
+                                          <p:spTgt spid="3"/>
+                                        </p:tgtEl>
+                                        <p:attrNameLst>
+                                          <p:attrName>ppt_w</p:attrName>
+                                        </p:attrNameLst>
+                                      </p:cBhvr>
+                                      <p:tavLst>
+                                        <p:tav tm="0">
+                                          <p:val>
+                                            <p:fltVal val="0"/>
+                                          </p:val>
+                                        </p:tav>
+                                        <p:tav tm="100000">
+                                          <p:val>
+                                            <p:strVal val="#ppt_w"/>
+                                          </p:val>
+                                        </p:tav>
+                                      </p:tavLst>
+                                    </p:anim>
+                                    <p:anim calcmode="lin" valueType="num">
+                                      <p:cBhvr>
+                                        <p:cTn id="8" dur="1000" fill="hold"/>
+                                        <p:tgtEl>
+                                          <p:spTgt spid="3"/>
+                                        </p:tgtEl>
+                                        <p:attrNameLst>
+                                          <p:attrName>ppt_h</p:attrName>
+                                        </p:attrNameLst>
+                                      </p:cBhvr>
+                                      <p:tavLst>
+                                        <p:tav tm="0">
+                                          <p:val>
+                                            <p:fltVal val="0"/>
+                                          </p:val>
+                                        </p:tav>
+                                        <p:tav tm="100000">
+                                          <p:val>
+                                            <p:strVal val="#ppt_h"/>
+                                          </p:val>
+                                        </p:tav>
+                                      </p:tavLst>
+                                    </p:anim>
+                                    <p:anim calcmode="lin" valueType="num">
+                                      <p:cBhvr>
+                                        <p:cTn id="9" dur="1000" fill="hold"/>
+                                        <p:tgtEl>
+                                          <p:spTgt spid="3"/>
+                                        </p:tgtEl>
+                                        <p:attrNameLst>
+                                          <p:attrName>style.rotation</p:attrName>
+                                        </p:attrNameLst>
+                                      </p:cBhvr>
+                                      <p:tavLst>
+                                        <p:tav tm="0">
+                                          <p:val>
+                                            <p:fltVal val="90"/>
+                                          </p:val>
+                                        </p:tav>
+                                        <p:tav tm="100000">
+                                          <p:val>
+                                            <p:fltVal val="0"/>
+                                          </p:val>
+                                        </p:tav>
+                                      </p:tavLst>
+                                    </p:anim>
+                                    <p:animEffect transition="in" filter="fade">
+                                      <p:cBhvr>
+                                        <p:cTn id="10" dur="1000"/>
+                                        <p:tgtEl>
+                                          <p:spTgt spid="3"/>
+                                        </p:tgtEl>
+                                      </p:cBhvr>
+                                    </p:animEffect>
+                                  </p:childTnLst>
+                                </p:cTn>
+                              </p:par>
+                            </p:childTnLst>
+                          </p:cTn>
+                        </p:par>
+                      </p:childTnLst>
+                    </p:cTn>
+                  </p:par>
+                </p:childTnLst>
+              </p:cTn>
+              <p:prevCondLst>
+                <p:cond evt="onPrev" delay="0">
+                  <p:tgtEl>
+                    <p:sldTgt/>
+                  </p:tgtEl>
+                </p:cond>
+              </p:prevCondLst>
+              <p:nextCondLst>
+                <p:cond evt="onNext" delay="0">
+                  <p:tgtEl>
+                    <p:sldTgt/>
+                  </p:tgtEl>
+                </p:cond>
+              </p:nextCondLst>
+            </p:seq>
+          </p:childTnLst>
+        </p:cTn>
+      </p:par>
+    </p:tnLst>
+  </p:timing>
 </p:sld>
 </file>
 

--- a/Project Presentation #2 - mandatory 20171206.pptx
+++ b/Project Presentation #2 - mandatory 20171206.pptx
@@ -5,27 +5,28 @@
     <p:sldMasterId id="2147483660" r:id="rId1"/>
   </p:sldMasterIdLst>
   <p:notesMasterIdLst>
-    <p:notesMasterId r:id="rId20"/>
+    <p:notesMasterId r:id="rId21"/>
   </p:notesMasterIdLst>
   <p:sldIdLst>
     <p:sldId id="257" r:id="rId2"/>
     <p:sldId id="258" r:id="rId3"/>
-    <p:sldId id="259" r:id="rId4"/>
-    <p:sldId id="269" r:id="rId5"/>
-    <p:sldId id="275" r:id="rId6"/>
-    <p:sldId id="260" r:id="rId7"/>
-    <p:sldId id="271" r:id="rId8"/>
-    <p:sldId id="261" r:id="rId9"/>
-    <p:sldId id="262" r:id="rId10"/>
-    <p:sldId id="263" r:id="rId11"/>
-    <p:sldId id="264" r:id="rId12"/>
-    <p:sldId id="265" r:id="rId13"/>
-    <p:sldId id="266" r:id="rId14"/>
-    <p:sldId id="267" r:id="rId15"/>
-    <p:sldId id="268" r:id="rId16"/>
-    <p:sldId id="272" r:id="rId17"/>
-    <p:sldId id="274" r:id="rId18"/>
-    <p:sldId id="273" r:id="rId19"/>
+    <p:sldId id="276" r:id="rId4"/>
+    <p:sldId id="259" r:id="rId5"/>
+    <p:sldId id="269" r:id="rId6"/>
+    <p:sldId id="275" r:id="rId7"/>
+    <p:sldId id="260" r:id="rId8"/>
+    <p:sldId id="271" r:id="rId9"/>
+    <p:sldId id="261" r:id="rId10"/>
+    <p:sldId id="262" r:id="rId11"/>
+    <p:sldId id="263" r:id="rId12"/>
+    <p:sldId id="264" r:id="rId13"/>
+    <p:sldId id="265" r:id="rId14"/>
+    <p:sldId id="266" r:id="rId15"/>
+    <p:sldId id="267" r:id="rId16"/>
+    <p:sldId id="268" r:id="rId17"/>
+    <p:sldId id="272" r:id="rId18"/>
+    <p:sldId id="274" r:id="rId19"/>
+    <p:sldId id="273" r:id="rId20"/>
   </p:sldIdLst>
   <p:sldSz cx="9144000" cy="6858000" type="screen4x3"/>
   <p:notesSz cx="6858000" cy="9144000"/>
@@ -127,10 +128,11 @@
   <p:extLst>
     <p:ext uri="{521415D9-36F7-43E2-AB2F-B90AF26B5E84}">
       <p14:sectionLst xmlns:p14="http://schemas.microsoft.com/office/powerpoint/2010/main">
-        <p14:section name="Sección predeterminada" id="{1064D0D3-6894-40E7-948C-1FEB16BA5B37}">
+        <p14:section name="Álvaro" id="{1064D0D3-6894-40E7-948C-1FEB16BA5B37}">
           <p14:sldIdLst>
             <p14:sldId id="257"/>
             <p14:sldId id="258"/>
+            <p14:sldId id="276"/>
           </p14:sldIdLst>
         </p14:section>
         <p14:section name="Fer" id="{046DD415-9B08-456D-B843-0A02B1FB9862}">
@@ -1443,7 +1445,7 @@
           <a:p>
             <a:fld id="{4F2592BA-61E5-456A-A149-2059994ACFCE}" type="slidenum">
               <a:rPr lang="en-GB" smtClean="0"/>
-              <a:t>11</a:t>
+              <a:t>12</a:t>
             </a:fld>
             <a:endParaRPr lang="en-GB"/>
           </a:p>
@@ -1805,7 +1807,7 @@
           <a:p>
             <a:fld id="{4F2592BA-61E5-456A-A149-2059994ACFCE}" type="slidenum">
               <a:rPr lang="en-GB" smtClean="0"/>
-              <a:t>12</a:t>
+              <a:t>13</a:t>
             </a:fld>
             <a:endParaRPr lang="en-GB"/>
           </a:p>
@@ -2063,7 +2065,7 @@
           <a:p>
             <a:fld id="{4F2592BA-61E5-456A-A149-2059994ACFCE}" type="slidenum">
               <a:rPr lang="en-GB" smtClean="0"/>
-              <a:t>13</a:t>
+              <a:t>14</a:t>
             </a:fld>
             <a:endParaRPr lang="en-GB"/>
           </a:p>
@@ -2232,7 +2234,103 @@
             </a:r>
             <a:r>
               <a:rPr lang="es-ES" dirty="0"/>
-              <a:t> machines</a:t>
+              <a:t> machines (</a:t>
+            </a:r>
+            <a:r>
+              <a:rPr lang="es-ES" dirty="0" err="1"/>
+              <a:t>listening</a:t>
+            </a:r>
+            <a:r>
+              <a:rPr lang="es-ES" dirty="0"/>
+              <a:t> </a:t>
+            </a:r>
+            <a:r>
+              <a:rPr lang="es-ES" dirty="0" err="1"/>
+              <a:t>all</a:t>
+            </a:r>
+            <a:r>
+              <a:rPr lang="es-ES" dirty="0"/>
+              <a:t> </a:t>
+            </a:r>
+            <a:r>
+              <a:rPr lang="es-ES" dirty="0" err="1"/>
+              <a:t>the</a:t>
+            </a:r>
+            <a:r>
+              <a:rPr lang="es-ES" dirty="0"/>
+              <a:t> time </a:t>
+            </a:r>
+            <a:r>
+              <a:rPr lang="es-ES" dirty="0" err="1"/>
+              <a:t>to</a:t>
+            </a:r>
+            <a:r>
+              <a:rPr lang="es-ES" dirty="0"/>
+              <a:t> </a:t>
+            </a:r>
+            <a:r>
+              <a:rPr lang="es-ES" dirty="0" err="1"/>
+              <a:t>notifications</a:t>
+            </a:r>
+            <a:r>
+              <a:rPr lang="es-ES" dirty="0"/>
+              <a:t> and </a:t>
+            </a:r>
+            <a:r>
+              <a:rPr lang="es-ES" dirty="0" err="1"/>
+              <a:t>alarms</a:t>
+            </a:r>
+            <a:r>
+              <a:rPr lang="es-ES" dirty="0"/>
+              <a:t> </a:t>
+            </a:r>
+            <a:r>
+              <a:rPr lang="es-ES" dirty="0" err="1"/>
+              <a:t>to</a:t>
+            </a:r>
+            <a:r>
+              <a:rPr lang="es-ES" dirty="0"/>
+              <a:t> </a:t>
+            </a:r>
+            <a:r>
+              <a:rPr lang="es-ES" dirty="0" err="1"/>
+              <a:t>ensure</a:t>
+            </a:r>
+            <a:r>
+              <a:rPr lang="es-ES" dirty="0"/>
+              <a:t>… </a:t>
+            </a:r>
+            <a:r>
+              <a:rPr lang="es-ES" dirty="0" err="1"/>
+              <a:t>that</a:t>
+            </a:r>
+            <a:r>
+              <a:rPr lang="es-ES" dirty="0"/>
+              <a:t> </a:t>
+            </a:r>
+            <a:r>
+              <a:rPr lang="es-ES" dirty="0" err="1"/>
+              <a:t>it</a:t>
+            </a:r>
+            <a:r>
+              <a:rPr lang="es-ES" dirty="0"/>
+              <a:t> </a:t>
+            </a:r>
+            <a:r>
+              <a:rPr lang="es-ES" dirty="0" err="1"/>
+              <a:t>will</a:t>
+            </a:r>
+            <a:r>
+              <a:rPr lang="es-ES" dirty="0"/>
+              <a:t> </a:t>
+            </a:r>
+            <a:r>
+              <a:rPr lang="es-ES" dirty="0" err="1"/>
+              <a:t>not</a:t>
+            </a:r>
+            <a:r>
+              <a:rPr lang="es-ES" dirty="0"/>
+              <a:t> die)</a:t>
             </a:r>
           </a:p>
           <a:p>
@@ -2241,7 +2339,7 @@
               <a:buChar char="-"/>
             </a:pPr>
             <a:r>
-              <a:rPr lang="es-ES"/>
+              <a:rPr lang="es-ES" dirty="0"/>
               <a:t>Server: </a:t>
             </a:r>
             <a:endParaRPr lang="en-GB" dirty="0"/>
@@ -2265,7 +2363,7 @@
           <a:p>
             <a:fld id="{4F2592BA-61E5-456A-A149-2059994ACFCE}" type="slidenum">
               <a:rPr lang="en-GB" smtClean="0"/>
-              <a:t>14</a:t>
+              <a:t>15</a:t>
             </a:fld>
             <a:endParaRPr lang="en-GB"/>
           </a:p>
@@ -2353,7 +2451,7 @@
           <a:p>
             <a:fld id="{4F2592BA-61E5-456A-A149-2059994ACFCE}" type="slidenum">
               <a:rPr lang="en-GB" smtClean="0"/>
-              <a:t>16</a:t>
+              <a:t>17</a:t>
             </a:fld>
             <a:endParaRPr lang="en-GB"/>
           </a:p>
@@ -2444,7 +2542,7 @@
           <a:p>
             <a:fld id="{4F2592BA-61E5-456A-A149-2059994ACFCE}" type="slidenum">
               <a:rPr lang="en-GB" smtClean="0"/>
-              <a:t>3</a:t>
+              <a:t>4</a:t>
             </a:fld>
             <a:endParaRPr lang="en-GB"/>
           </a:p>
@@ -2551,7 +2649,7 @@
           <a:p>
             <a:fld id="{4F2592BA-61E5-456A-A149-2059994ACFCE}" type="slidenum">
               <a:rPr lang="en-GB" smtClean="0"/>
-              <a:t>4</a:t>
+              <a:t>5</a:t>
             </a:fld>
             <a:endParaRPr lang="en-GB"/>
           </a:p>
@@ -2651,7 +2749,7 @@
           <a:p>
             <a:fld id="{4F2592BA-61E5-456A-A149-2059994ACFCE}" type="slidenum">
               <a:rPr lang="en-GB" smtClean="0"/>
-              <a:t>5</a:t>
+              <a:t>6</a:t>
             </a:fld>
             <a:endParaRPr lang="en-GB"/>
           </a:p>
@@ -2840,7 +2938,7 @@
           <a:p>
             <a:fld id="{4F2592BA-61E5-456A-A149-2059994ACFCE}" type="slidenum">
               <a:rPr lang="en-GB" smtClean="0"/>
-              <a:t>6</a:t>
+              <a:t>7</a:t>
             </a:fld>
             <a:endParaRPr lang="en-GB"/>
           </a:p>
@@ -3190,7 +3288,7 @@
           <a:p>
             <a:fld id="{4F2592BA-61E5-456A-A149-2059994ACFCE}" type="slidenum">
               <a:rPr lang="en-GB" smtClean="0"/>
-              <a:t>7</a:t>
+              <a:t>8</a:t>
             </a:fld>
             <a:endParaRPr lang="en-GB"/>
           </a:p>
@@ -3507,7 +3605,7 @@
           <a:p>
             <a:fld id="{4F2592BA-61E5-456A-A149-2059994ACFCE}" type="slidenum">
               <a:rPr lang="en-GB" smtClean="0"/>
-              <a:t>8</a:t>
+              <a:t>9</a:t>
             </a:fld>
             <a:endParaRPr lang="en-GB"/>
           </a:p>
@@ -3591,7 +3689,7 @@
           <a:p>
             <a:fld id="{4F2592BA-61E5-456A-A149-2059994ACFCE}" type="slidenum">
               <a:rPr lang="en-GB" smtClean="0"/>
-              <a:t>9</a:t>
+              <a:t>10</a:t>
             </a:fld>
             <a:endParaRPr lang="en-GB"/>
           </a:p>
@@ -3939,7 +4037,7 @@
           <a:p>
             <a:fld id="{4F2592BA-61E5-456A-A149-2059994ACFCE}" type="slidenum">
               <a:rPr lang="en-GB" smtClean="0"/>
-              <a:t>10</a:t>
+              <a:t>11</a:t>
             </a:fld>
             <a:endParaRPr lang="en-GB"/>
           </a:p>
@@ -5927,7 +6025,7 @@
         </p:nvSpPr>
         <p:spPr>
           <a:xfrm>
-            <a:off x="2650070" y="1081042"/>
+            <a:off x="2432355" y="1081042"/>
             <a:ext cx="5893594" cy="669727"/>
           </a:xfrm>
         </p:spPr>
@@ -5936,10 +6034,333 @@
           <a:lstStyle/>
           <a:p>
             <a:r>
-              <a:rPr lang="es-ES" dirty="0" err="1"/>
-              <a:t>Worker</a:t>
+              <a:rPr lang="es-ES" dirty="0"/>
+              <a:t>¿Who are </a:t>
+            </a:r>
+            <a:r>
+              <a:rPr lang="es-ES" dirty="0" err="1"/>
+              <a:t>the</a:t>
+            </a:r>
+            <a:r>
+              <a:rPr lang="es-ES" dirty="0"/>
+              <a:t> </a:t>
+            </a:r>
+            <a:r>
+              <a:rPr lang="es-ES" dirty="0" err="1"/>
+              <a:t>actors</a:t>
+            </a:r>
+            <a:r>
+              <a:rPr lang="es-ES" dirty="0"/>
+              <a:t>?</a:t>
             </a:r>
             <a:endParaRPr lang="en-GB" dirty="0"/>
+          </a:p>
+        </p:txBody>
+      </p:sp>
+      <p:sp>
+        <p:nvSpPr>
+          <p:cNvPr id="7" name="Marcador de contenido 6">
+            <a:extLst>
+              <a:ext uri="{FF2B5EF4-FFF2-40B4-BE49-F238E27FC236}">
+                <a16:creationId xmlns:a16="http://schemas.microsoft.com/office/drawing/2014/main" id="{388F8D4D-1969-4F72-B30E-0628E8D183D2}"/>
+              </a:ext>
+            </a:extLst>
+          </p:cNvPr>
+          <p:cNvSpPr>
+            <a:spLocks noGrp="1"/>
+          </p:cNvSpPr>
+          <p:nvPr>
+            <p:ph sz="quarter" idx="10"/>
+          </p:nvPr>
+        </p:nvSpPr>
+        <p:spPr>
+          <a:xfrm>
+            <a:off x="2266600" y="2502202"/>
+            <a:ext cx="6059349" cy="3985683"/>
+          </a:xfrm>
+        </p:spPr>
+        <p:txBody>
+          <a:bodyPr/>
+          <a:lstStyle/>
+          <a:p>
+            <a:pPr marL="0" indent="0">
+              <a:buNone/>
+            </a:pPr>
+            <a:endParaRPr lang="es-ES" dirty="0"/>
+          </a:p>
+          <a:p>
+            <a:pPr>
+              <a:buFontTx/>
+              <a:buChar char="-"/>
+            </a:pPr>
+            <a:r>
+              <a:rPr lang="es-ES" sz="2000" i="0" dirty="0"/>
+              <a:t>Will </a:t>
+            </a:r>
+            <a:r>
+              <a:rPr lang="es-ES" sz="2000" i="0" dirty="0" err="1"/>
+              <a:t>work</a:t>
+            </a:r>
+            <a:r>
+              <a:rPr lang="es-ES" sz="2000" i="0" dirty="0"/>
+              <a:t> in </a:t>
+            </a:r>
+            <a:r>
+              <a:rPr lang="es-ES" sz="2000" i="0" dirty="0" err="1"/>
+              <a:t>the</a:t>
+            </a:r>
+            <a:r>
+              <a:rPr lang="es-ES" sz="2000" i="0" dirty="0"/>
+              <a:t> </a:t>
+            </a:r>
+            <a:r>
+              <a:rPr lang="es-ES" sz="2000" i="0" dirty="0" err="1"/>
+              <a:t>Construction</a:t>
+            </a:r>
+            <a:r>
+              <a:rPr lang="es-ES" sz="2000" i="0" dirty="0"/>
+              <a:t> </a:t>
+            </a:r>
+            <a:r>
+              <a:rPr lang="es-ES" sz="2000" i="0" dirty="0" err="1"/>
+              <a:t>Site</a:t>
+            </a:r>
+            <a:endParaRPr lang="es-ES" sz="2000" i="0" dirty="0"/>
+          </a:p>
+          <a:p>
+            <a:pPr>
+              <a:buFontTx/>
+              <a:buChar char="-"/>
+            </a:pPr>
+            <a:endParaRPr lang="es-ES" sz="2000" i="0" dirty="0"/>
+          </a:p>
+          <a:p>
+            <a:pPr>
+              <a:buFontTx/>
+              <a:buChar char="-"/>
+            </a:pPr>
+            <a:endParaRPr lang="es-ES" sz="2000" i="0" dirty="0"/>
+          </a:p>
+          <a:p>
+            <a:pPr>
+              <a:buFontTx/>
+              <a:buChar char="-"/>
+            </a:pPr>
+            <a:r>
+              <a:rPr lang="es-ES" sz="2000" i="0" dirty="0"/>
+              <a:t>Will </a:t>
+            </a:r>
+            <a:r>
+              <a:rPr lang="es-ES" sz="2000" i="0" dirty="0" err="1"/>
+              <a:t>work</a:t>
+            </a:r>
+            <a:r>
+              <a:rPr lang="es-ES" sz="2000" i="0" dirty="0"/>
+              <a:t> in a machine (</a:t>
+            </a:r>
+            <a:r>
+              <a:rPr lang="es-ES" sz="2000" i="0" dirty="0" err="1"/>
+              <a:t>with</a:t>
+            </a:r>
+            <a:r>
+              <a:rPr lang="es-ES" sz="2000" i="0" dirty="0"/>
+              <a:t> Co-</a:t>
+            </a:r>
+            <a:r>
+              <a:rPr lang="es-ES" sz="2000" i="0" dirty="0" err="1"/>
+              <a:t>Pilot</a:t>
+            </a:r>
+            <a:r>
+              <a:rPr lang="es-ES" sz="2000" i="0" dirty="0"/>
+              <a:t>)</a:t>
+            </a:r>
+          </a:p>
+          <a:p>
+            <a:pPr>
+              <a:buFontTx/>
+              <a:buChar char="-"/>
+            </a:pPr>
+            <a:endParaRPr lang="es-ES" sz="2000" i="0" dirty="0"/>
+          </a:p>
+          <a:p>
+            <a:pPr>
+              <a:buFontTx/>
+              <a:buChar char="-"/>
+            </a:pPr>
+            <a:endParaRPr lang="es-ES" sz="2000" i="0" dirty="0"/>
+          </a:p>
+          <a:p>
+            <a:pPr>
+              <a:buFontTx/>
+              <a:buChar char="-"/>
+            </a:pPr>
+            <a:r>
+              <a:rPr lang="es-ES" sz="2000" i="0" dirty="0"/>
+              <a:t>Will </a:t>
+            </a:r>
+            <a:r>
+              <a:rPr lang="es-ES" sz="2000" i="0" dirty="0" err="1"/>
+              <a:t>manage</a:t>
+            </a:r>
+            <a:r>
+              <a:rPr lang="es-ES" sz="2000" i="0" dirty="0"/>
+              <a:t> </a:t>
+            </a:r>
+            <a:r>
+              <a:rPr lang="es-ES" sz="2000" i="0" dirty="0" err="1"/>
+              <a:t>all</a:t>
+            </a:r>
+            <a:r>
+              <a:rPr lang="es-ES" sz="2000" i="0" dirty="0"/>
+              <a:t> </a:t>
+            </a:r>
+            <a:r>
+              <a:rPr lang="es-ES" sz="2000" i="0" dirty="0" err="1"/>
+              <a:t>about</a:t>
+            </a:r>
+            <a:r>
+              <a:rPr lang="es-ES" sz="2000" i="0" dirty="0"/>
+              <a:t> </a:t>
+            </a:r>
+            <a:r>
+              <a:rPr lang="es-ES" sz="2000" i="0" dirty="0" err="1"/>
+              <a:t>the</a:t>
+            </a:r>
+            <a:r>
+              <a:rPr lang="es-ES" sz="2000" i="0" dirty="0"/>
+              <a:t> </a:t>
+            </a:r>
+            <a:r>
+              <a:rPr lang="es-ES" sz="2000" i="0" dirty="0" err="1"/>
+              <a:t>Construction</a:t>
+            </a:r>
+            <a:r>
+              <a:rPr lang="es-ES" sz="2000" i="0" dirty="0"/>
+              <a:t> </a:t>
+            </a:r>
+            <a:r>
+              <a:rPr lang="es-ES" sz="2000" i="0" dirty="0" err="1"/>
+              <a:t>Site</a:t>
+            </a:r>
+            <a:r>
+              <a:rPr lang="es-ES" sz="2000" i="0" dirty="0"/>
+              <a:t> (</a:t>
+            </a:r>
+            <a:r>
+              <a:rPr lang="es-ES" sz="2000" i="0" dirty="0" err="1"/>
+              <a:t>Inside</a:t>
+            </a:r>
+            <a:r>
+              <a:rPr lang="es-ES" sz="2000" i="0" dirty="0"/>
+              <a:t> </a:t>
+            </a:r>
+            <a:r>
+              <a:rPr lang="es-ES" sz="2000" i="0" dirty="0" err="1"/>
+              <a:t>the</a:t>
+            </a:r>
+            <a:r>
+              <a:rPr lang="es-ES" sz="2000" i="0" dirty="0"/>
+              <a:t> </a:t>
+            </a:r>
+            <a:r>
+              <a:rPr lang="es-ES" sz="2000" i="0" dirty="0" err="1"/>
+              <a:t>Construction</a:t>
+            </a:r>
+            <a:r>
+              <a:rPr lang="es-ES" sz="2000" i="0" dirty="0"/>
+              <a:t> </a:t>
+            </a:r>
+            <a:r>
+              <a:rPr lang="es-ES" sz="2000" i="0" dirty="0" err="1"/>
+              <a:t>Site</a:t>
+            </a:r>
+            <a:r>
+              <a:rPr lang="es-ES" sz="2000" i="0" dirty="0"/>
+              <a:t>)</a:t>
+            </a:r>
+          </a:p>
+          <a:p>
+            <a:pPr>
+              <a:buFontTx/>
+              <a:buChar char="-"/>
+            </a:pPr>
+            <a:endParaRPr lang="es-ES" sz="2000" i="0" dirty="0"/>
+          </a:p>
+          <a:p>
+            <a:pPr>
+              <a:buFontTx/>
+              <a:buChar char="-"/>
+            </a:pPr>
+            <a:r>
+              <a:rPr lang="es-ES" sz="2000" i="0" dirty="0"/>
+              <a:t>Will </a:t>
+            </a:r>
+            <a:r>
+              <a:rPr lang="es-ES" sz="2000" i="0" dirty="0" err="1"/>
+              <a:t>manage</a:t>
+            </a:r>
+            <a:r>
+              <a:rPr lang="es-ES" sz="2000" i="0" dirty="0"/>
+              <a:t> </a:t>
+            </a:r>
+            <a:r>
+              <a:rPr lang="es-ES" sz="2000" i="0" dirty="0" err="1"/>
+              <a:t>the</a:t>
+            </a:r>
+            <a:r>
+              <a:rPr lang="es-ES" sz="2000" i="0" dirty="0"/>
+              <a:t> </a:t>
+            </a:r>
+            <a:r>
+              <a:rPr lang="es-ES" sz="2000" i="0" dirty="0" err="1"/>
+              <a:t>workers</a:t>
+            </a:r>
+            <a:r>
+              <a:rPr lang="es-ES" sz="2000" i="0" dirty="0"/>
+              <a:t> </a:t>
+            </a:r>
+          </a:p>
+          <a:p>
+            <a:pPr marL="0" indent="0">
+              <a:buNone/>
+            </a:pPr>
+            <a:r>
+              <a:rPr lang="es-ES" sz="2000" i="0" dirty="0"/>
+              <a:t>   (</a:t>
+            </a:r>
+            <a:r>
+              <a:rPr lang="es-ES" sz="2000" i="0" dirty="0" err="1"/>
+              <a:t>Outside</a:t>
+            </a:r>
+            <a:r>
+              <a:rPr lang="es-ES" sz="2000" i="0" dirty="0"/>
+              <a:t> </a:t>
+            </a:r>
+            <a:r>
+              <a:rPr lang="es-ES" sz="2000" i="0" dirty="0" err="1"/>
+              <a:t>the</a:t>
+            </a:r>
+            <a:r>
+              <a:rPr lang="es-ES" sz="2000" i="0" dirty="0"/>
+              <a:t> </a:t>
+            </a:r>
+            <a:r>
+              <a:rPr lang="es-ES" sz="2000" i="0" dirty="0" err="1"/>
+              <a:t>Construction</a:t>
+            </a:r>
+            <a:r>
+              <a:rPr lang="es-ES" sz="2000" i="0" dirty="0"/>
+              <a:t> </a:t>
+            </a:r>
+            <a:r>
+              <a:rPr lang="es-ES" sz="2000" i="0" dirty="0" err="1"/>
+              <a:t>Site</a:t>
+            </a:r>
+            <a:r>
+              <a:rPr lang="es-ES" sz="2000" i="0" dirty="0"/>
+              <a:t>)</a:t>
+            </a:r>
+            <a:endParaRPr lang="en-GB" sz="2000" i="0" dirty="0"/>
           </a:p>
         </p:txBody>
       </p:sp>
@@ -5948,7 +6369,7 @@
           <p:cNvPr id="5" name="Imagen 4">
             <a:extLst>
               <a:ext uri="{FF2B5EF4-FFF2-40B4-BE49-F238E27FC236}">
-                <a16:creationId xmlns:a16="http://schemas.microsoft.com/office/drawing/2014/main" id="{225A2AD3-A879-4C26-ACD2-69240C503E81}"/>
+                <a16:creationId xmlns:a16="http://schemas.microsoft.com/office/drawing/2014/main" id="{A37C43B2-D678-4FA1-8675-D0BAE2CB9DC3}"/>
               </a:ext>
             </a:extLst>
           </p:cNvPr>
@@ -5971,8 +6392,8 @@
         </p:blipFill>
         <p:spPr>
           <a:xfrm>
-            <a:off x="986972" y="2407644"/>
-            <a:ext cx="6930056" cy="3586507"/>
+            <a:off x="742387" y="2248925"/>
+            <a:ext cx="1524213" cy="4413131"/>
           </a:xfrm>
           <a:prstGeom prst="rect">
             <a:avLst/>
@@ -5982,7 +6403,7 @@
     </p:spTree>
     <p:extLst>
       <p:ext uri="{BB962C8B-B14F-4D97-AF65-F5344CB8AC3E}">
-        <p14:creationId xmlns:p14="http://schemas.microsoft.com/office/powerpoint/2010/main" val="1364807316"/>
+        <p14:creationId xmlns:p14="http://schemas.microsoft.com/office/powerpoint/2010/main" val="2690570539"/>
       </p:ext>
     </p:extLst>
   </p:cSld>
@@ -6058,7 +6479,7 @@
         </p:nvSpPr>
         <p:spPr>
           <a:xfrm>
-            <a:off x="3012927" y="1081042"/>
+            <a:off x="2650070" y="1081042"/>
             <a:ext cx="5893594" cy="669727"/>
           </a:xfrm>
         </p:spPr>
@@ -6068,11 +6489,7 @@
           <a:p>
             <a:r>
               <a:rPr lang="es-ES" dirty="0" err="1"/>
-              <a:t>Operator</a:t>
-            </a:r>
-            <a:r>
-              <a:rPr lang="es-ES" dirty="0"/>
-              <a:t> Machine</a:t>
+              <a:t>Worker</a:t>
             </a:r>
             <a:endParaRPr lang="en-GB" dirty="0"/>
           </a:p>
@@ -6080,10 +6497,10 @@
       </p:sp>
       <p:pic>
         <p:nvPicPr>
-          <p:cNvPr id="4" name="Imagen 3">
+          <p:cNvPr id="5" name="Imagen 4">
             <a:extLst>
               <a:ext uri="{FF2B5EF4-FFF2-40B4-BE49-F238E27FC236}">
-                <a16:creationId xmlns:a16="http://schemas.microsoft.com/office/drawing/2014/main" id="{901DA070-F5EA-4ECD-A512-FC473EF57812}"/>
+                <a16:creationId xmlns:a16="http://schemas.microsoft.com/office/drawing/2014/main" id="{225A2AD3-A879-4C26-ACD2-69240C503E81}"/>
               </a:ext>
             </a:extLst>
           </p:cNvPr>
@@ -6106,8 +6523,8 @@
         </p:blipFill>
         <p:spPr>
           <a:xfrm>
-            <a:off x="812800" y="2077356"/>
-            <a:ext cx="7126514" cy="4780644"/>
+            <a:off x="986972" y="2407644"/>
+            <a:ext cx="6930056" cy="3586507"/>
           </a:xfrm>
           <a:prstGeom prst="rect">
             <a:avLst/>
@@ -6117,7 +6534,7 @@
     </p:spTree>
     <p:extLst>
       <p:ext uri="{BB962C8B-B14F-4D97-AF65-F5344CB8AC3E}">
-        <p14:creationId xmlns:p14="http://schemas.microsoft.com/office/powerpoint/2010/main" val="3876342585"/>
+        <p14:creationId xmlns:p14="http://schemas.microsoft.com/office/powerpoint/2010/main" val="1364807316"/>
       </p:ext>
     </p:extLst>
   </p:cSld>
@@ -6193,7 +6610,7 @@
         </p:nvSpPr>
         <p:spPr>
           <a:xfrm>
-            <a:off x="2548470" y="817715"/>
+            <a:off x="3012927" y="1081042"/>
             <a:ext cx="5893594" cy="669727"/>
           </a:xfrm>
         </p:spPr>
@@ -6202,8 +6619,12 @@
           <a:lstStyle/>
           <a:p>
             <a:r>
-              <a:rPr lang="es-ES" dirty="0"/>
-              <a:t>Manager</a:t>
+              <a:rPr lang="es-ES" dirty="0" err="1"/>
+              <a:t>Operator</a:t>
+            </a:r>
+            <a:r>
+              <a:rPr lang="es-ES" dirty="0"/>
+              <a:t> Machine</a:t>
             </a:r>
             <a:endParaRPr lang="en-GB" dirty="0"/>
           </a:p>
@@ -6214,7 +6635,7 @@
           <p:cNvPr id="4" name="Imagen 3">
             <a:extLst>
               <a:ext uri="{FF2B5EF4-FFF2-40B4-BE49-F238E27FC236}">
-                <a16:creationId xmlns:a16="http://schemas.microsoft.com/office/drawing/2014/main" id="{2C0A580E-D9F9-4287-A249-7BC241DD73B7}"/>
+                <a16:creationId xmlns:a16="http://schemas.microsoft.com/office/drawing/2014/main" id="{901DA070-F5EA-4ECD-A512-FC473EF57812}"/>
               </a:ext>
             </a:extLst>
           </p:cNvPr>
@@ -6237,8 +6658,8 @@
         </p:blipFill>
         <p:spPr>
           <a:xfrm>
-            <a:off x="2423885" y="1792242"/>
-            <a:ext cx="4814347" cy="5065758"/>
+            <a:off x="812800" y="2077356"/>
+            <a:ext cx="7126514" cy="4780644"/>
           </a:xfrm>
           <a:prstGeom prst="rect">
             <a:avLst/>
@@ -6248,7 +6669,7 @@
     </p:spTree>
     <p:extLst>
       <p:ext uri="{BB962C8B-B14F-4D97-AF65-F5344CB8AC3E}">
-        <p14:creationId xmlns:p14="http://schemas.microsoft.com/office/powerpoint/2010/main" val="831475866"/>
+        <p14:creationId xmlns:p14="http://schemas.microsoft.com/office/powerpoint/2010/main" val="3876342585"/>
       </p:ext>
     </p:extLst>
   </p:cSld>
@@ -6324,7 +6745,7 @@
         </p:nvSpPr>
         <p:spPr>
           <a:xfrm>
-            <a:off x="2650070" y="1081042"/>
+            <a:off x="2548470" y="817715"/>
             <a:ext cx="5893594" cy="669727"/>
           </a:xfrm>
         </p:spPr>
@@ -6333,8 +6754,8 @@
           <a:lstStyle/>
           <a:p>
             <a:r>
-              <a:rPr lang="es-ES" dirty="0" err="1"/>
-              <a:t>Administrator</a:t>
+              <a:rPr lang="es-ES" dirty="0"/>
+              <a:t>Manager</a:t>
             </a:r>
             <a:endParaRPr lang="en-GB" dirty="0"/>
           </a:p>
@@ -6345,7 +6766,7 @@
           <p:cNvPr id="4" name="Imagen 3">
             <a:extLst>
               <a:ext uri="{FF2B5EF4-FFF2-40B4-BE49-F238E27FC236}">
-                <a16:creationId xmlns:a16="http://schemas.microsoft.com/office/drawing/2014/main" id="{ADC39ADB-7653-4B67-85C2-0DACB2352B87}"/>
+                <a16:creationId xmlns:a16="http://schemas.microsoft.com/office/drawing/2014/main" id="{2C0A580E-D9F9-4287-A249-7BC241DD73B7}"/>
               </a:ext>
             </a:extLst>
           </p:cNvPr>
@@ -6368,8 +6789,8 @@
         </p:blipFill>
         <p:spPr>
           <a:xfrm>
-            <a:off x="1167940" y="2394857"/>
-            <a:ext cx="7258393" cy="3881586"/>
+            <a:off x="2423885" y="1792242"/>
+            <a:ext cx="4814347" cy="5065758"/>
           </a:xfrm>
           <a:prstGeom prst="rect">
             <a:avLst/>
@@ -6379,7 +6800,7 @@
     </p:spTree>
     <p:extLst>
       <p:ext uri="{BB962C8B-B14F-4D97-AF65-F5344CB8AC3E}">
-        <p14:creationId xmlns:p14="http://schemas.microsoft.com/office/powerpoint/2010/main" val="1179409104"/>
+        <p14:creationId xmlns:p14="http://schemas.microsoft.com/office/powerpoint/2010/main" val="831475866"/>
       </p:ext>
     </p:extLst>
   </p:cSld>
@@ -6455,6 +6876,137 @@
         </p:nvSpPr>
         <p:spPr>
           <a:xfrm>
+            <a:off x="2650070" y="1081042"/>
+            <a:ext cx="5893594" cy="669727"/>
+          </a:xfrm>
+        </p:spPr>
+        <p:txBody>
+          <a:bodyPr/>
+          <a:lstStyle/>
+          <a:p>
+            <a:r>
+              <a:rPr lang="es-ES" dirty="0" err="1"/>
+              <a:t>Administrator</a:t>
+            </a:r>
+            <a:endParaRPr lang="en-GB" dirty="0"/>
+          </a:p>
+        </p:txBody>
+      </p:sp>
+      <p:pic>
+        <p:nvPicPr>
+          <p:cNvPr id="4" name="Imagen 3">
+            <a:extLst>
+              <a:ext uri="{FF2B5EF4-FFF2-40B4-BE49-F238E27FC236}">
+                <a16:creationId xmlns:a16="http://schemas.microsoft.com/office/drawing/2014/main" id="{ADC39ADB-7653-4B67-85C2-0DACB2352B87}"/>
+              </a:ext>
+            </a:extLst>
+          </p:cNvPr>
+          <p:cNvPicPr>
+            <a:picLocks noChangeAspect="1"/>
+          </p:cNvPicPr>
+          <p:nvPr/>
+        </p:nvPicPr>
+        <p:blipFill>
+          <a:blip r:embed="rId4">
+            <a:extLst>
+              <a:ext uri="{28A0092B-C50C-407E-A947-70E740481C1C}">
+                <a14:useLocalDpi xmlns:a14="http://schemas.microsoft.com/office/drawing/2010/main" val="0"/>
+              </a:ext>
+            </a:extLst>
+          </a:blip>
+          <a:stretch>
+            <a:fillRect/>
+          </a:stretch>
+        </p:blipFill>
+        <p:spPr>
+          <a:xfrm>
+            <a:off x="1167940" y="2394857"/>
+            <a:ext cx="7258393" cy="3881586"/>
+          </a:xfrm>
+          <a:prstGeom prst="rect">
+            <a:avLst/>
+          </a:prstGeom>
+        </p:spPr>
+      </p:pic>
+    </p:spTree>
+    <p:extLst>
+      <p:ext uri="{BB962C8B-B14F-4D97-AF65-F5344CB8AC3E}">
+        <p14:creationId xmlns:p14="http://schemas.microsoft.com/office/powerpoint/2010/main" val="1179409104"/>
+      </p:ext>
+    </p:extLst>
+  </p:cSld>
+  <p:clrMapOvr>
+    <a:masterClrMapping/>
+  </p:clrMapOvr>
+  <p:transition/>
+</p:sld>
+</file>
+
+<file path=ppt/slides/slide15.xml><?xml version="1.0" encoding="utf-8"?>
+<p:sld xmlns:a="http://schemas.openxmlformats.org/drawingml/2006/main" xmlns:r="http://schemas.openxmlformats.org/officeDocument/2006/relationships" xmlns:p="http://schemas.openxmlformats.org/presentationml/2006/main">
+  <p:cSld>
+    <p:spTree>
+      <p:nvGrpSpPr>
+        <p:cNvPr id="1" name=""/>
+        <p:cNvGrpSpPr/>
+        <p:nvPr/>
+      </p:nvGrpSpPr>
+      <p:grpSpPr>
+        <a:xfrm>
+          <a:off x="0" y="0"/>
+          <a:ext cx="0" cy="0"/>
+          <a:chOff x="0" y="0"/>
+          <a:chExt cx="0" cy="0"/>
+        </a:xfrm>
+      </p:grpSpPr>
+      <p:pic>
+        <p:nvPicPr>
+          <p:cNvPr id="6" name="Picture 5">
+            <a:extLst>
+              <a:ext uri="{FF2B5EF4-FFF2-40B4-BE49-F238E27FC236}">
+                <a16:creationId xmlns:a16="http://schemas.microsoft.com/office/drawing/2014/main" id="{637F02D6-82FE-446D-9A9E-418A4C15A353}"/>
+              </a:ext>
+            </a:extLst>
+          </p:cNvPr>
+          <p:cNvPicPr>
+            <a:picLocks noChangeAspect="1"/>
+          </p:cNvPicPr>
+          <p:nvPr/>
+        </p:nvPicPr>
+        <p:blipFill>
+          <a:blip r:embed="rId3"/>
+          <a:stretch>
+            <a:fillRect/>
+          </a:stretch>
+        </p:blipFill>
+        <p:spPr>
+          <a:xfrm>
+            <a:off x="1167940" y="1081042"/>
+            <a:ext cx="1098660" cy="996314"/>
+          </a:xfrm>
+          <a:prstGeom prst="rect">
+            <a:avLst/>
+          </a:prstGeom>
+        </p:spPr>
+      </p:pic>
+      <p:sp>
+        <p:nvSpPr>
+          <p:cNvPr id="3" name="Título 2">
+            <a:extLst>
+              <a:ext uri="{FF2B5EF4-FFF2-40B4-BE49-F238E27FC236}">
+                <a16:creationId xmlns:a16="http://schemas.microsoft.com/office/drawing/2014/main" id="{189DE859-B875-4740-8013-26542D34B9C4}"/>
+              </a:ext>
+            </a:extLst>
+          </p:cNvPr>
+          <p:cNvSpPr>
+            <a:spLocks noGrp="1"/>
+          </p:cNvSpPr>
+          <p:nvPr>
+            <p:ph type="title"/>
+          </p:nvPr>
+        </p:nvSpPr>
+        <p:spPr>
+          <a:xfrm>
             <a:off x="2461384" y="1244335"/>
             <a:ext cx="5893594" cy="669727"/>
           </a:xfrm>
@@ -6705,7 +7257,7 @@
 </p:sld>
 </file>
 
-<file path=ppt/slides/slide15.xml><?xml version="1.0" encoding="utf-8"?>
+<file path=ppt/slides/slide16.xml><?xml version="1.0" encoding="utf-8"?>
 <p:sld xmlns:a="http://schemas.openxmlformats.org/drawingml/2006/main" xmlns:r="http://schemas.openxmlformats.org/officeDocument/2006/relationships" xmlns:p="http://schemas.openxmlformats.org/presentationml/2006/main">
   <p:cSld>
     <p:spTree>
@@ -6860,7 +7412,7 @@
 </p:sld>
 </file>
 
-<file path=ppt/slides/slide16.xml><?xml version="1.0" encoding="utf-8"?>
+<file path=ppt/slides/slide17.xml><?xml version="1.0" encoding="utf-8"?>
 <p:sld xmlns:a="http://schemas.openxmlformats.org/drawingml/2006/main" xmlns:r="http://schemas.openxmlformats.org/officeDocument/2006/relationships" xmlns:p="http://schemas.openxmlformats.org/presentationml/2006/main">
   <p:cSld>
     <p:spTree>
@@ -7010,7 +7562,7 @@
 </p:sld>
 </file>
 
-<file path=ppt/slides/slide17.xml><?xml version="1.0" encoding="utf-8"?>
+<file path=ppt/slides/slide18.xml><?xml version="1.0" encoding="utf-8"?>
 <p:sld xmlns:a="http://schemas.openxmlformats.org/drawingml/2006/main" xmlns:r="http://schemas.openxmlformats.org/officeDocument/2006/relationships" xmlns:p="http://schemas.openxmlformats.org/presentationml/2006/main">
   <p:cSld>
     <p:spTree>
@@ -7178,7 +7730,7 @@
 </p:sld>
 </file>
 
-<file path=ppt/slides/slide18.xml><?xml version="1.0" encoding="utf-8"?>
+<file path=ppt/slides/slide19.xml><?xml version="1.0" encoding="utf-8"?>
 <p:sld xmlns:a="http://schemas.openxmlformats.org/drawingml/2006/main" xmlns:r="http://schemas.openxmlformats.org/officeDocument/2006/relationships" xmlns:p="http://schemas.openxmlformats.org/presentationml/2006/main">
   <p:cSld>
     <p:spTree>
@@ -7322,15 +7874,82 @@
             <p:ph type="title"/>
           </p:nvPr>
         </p:nvSpPr>
-        <p:spPr/>
+        <p:spPr>
+          <a:xfrm>
+            <a:off x="2504927" y="1081042"/>
+            <a:ext cx="5893594" cy="669727"/>
+          </a:xfrm>
+        </p:spPr>
         <p:txBody>
           <a:bodyPr/>
           <a:lstStyle/>
           <a:p>
+            <a:r>
+              <a:rPr lang="es-ES" dirty="0" err="1"/>
+              <a:t>The</a:t>
+            </a:r>
+            <a:r>
+              <a:rPr lang="es-ES" dirty="0"/>
+              <a:t> </a:t>
+            </a:r>
+            <a:r>
+              <a:rPr lang="es-ES" dirty="0" err="1"/>
+              <a:t>north</a:t>
+            </a:r>
+            <a:r>
+              <a:rPr lang="es-ES" dirty="0"/>
+              <a:t> </a:t>
+            </a:r>
+            <a:r>
+              <a:rPr lang="es-ES" dirty="0" err="1"/>
+              <a:t>remembers</a:t>
+            </a:r>
+            <a:r>
+              <a:rPr lang="es-ES" dirty="0"/>
+              <a:t>… (</a:t>
+            </a:r>
+            <a:r>
+              <a:rPr lang="es-ES" dirty="0" err="1"/>
+              <a:t>briefly</a:t>
+            </a:r>
+            <a:r>
+              <a:rPr lang="es-ES" dirty="0"/>
+              <a:t>)</a:t>
+            </a:r>
             <a:endParaRPr lang="en-GB" dirty="0"/>
           </a:p>
         </p:txBody>
       </p:sp>
+      <p:pic>
+        <p:nvPicPr>
+          <p:cNvPr id="2" name="Imagen 1">
+            <a:extLst>
+              <a:ext uri="{FF2B5EF4-FFF2-40B4-BE49-F238E27FC236}">
+                <a16:creationId xmlns:a16="http://schemas.microsoft.com/office/drawing/2014/main" id="{DE1FEF4E-557C-4D9E-836A-A200AAF77699}"/>
+              </a:ext>
+            </a:extLst>
+          </p:cNvPr>
+          <p:cNvPicPr>
+            <a:picLocks noChangeAspect="1"/>
+          </p:cNvPicPr>
+          <p:nvPr/>
+        </p:nvPicPr>
+        <p:blipFill>
+          <a:blip r:embed="rId3"/>
+          <a:stretch>
+            <a:fillRect/>
+          </a:stretch>
+        </p:blipFill>
+        <p:spPr>
+          <a:xfrm>
+            <a:off x="0" y="4369904"/>
+            <a:ext cx="9144000" cy="2385391"/>
+          </a:xfrm>
+          <a:prstGeom prst="rect">
+            <a:avLst/>
+          </a:prstGeom>
+        </p:spPr>
+      </p:pic>
     </p:spTree>
     <p:extLst>
       <p:ext uri="{BB962C8B-B14F-4D97-AF65-F5344CB8AC3E}">
@@ -7346,6 +7965,159 @@
 </file>
 
 <file path=ppt/slides/slide3.xml><?xml version="1.0" encoding="utf-8"?>
+<p:sld xmlns:a="http://schemas.openxmlformats.org/drawingml/2006/main" xmlns:r="http://schemas.openxmlformats.org/officeDocument/2006/relationships" xmlns:p="http://schemas.openxmlformats.org/presentationml/2006/main">
+  <p:cSld>
+    <p:spTree>
+      <p:nvGrpSpPr>
+        <p:cNvPr id="1" name=""/>
+        <p:cNvGrpSpPr/>
+        <p:nvPr/>
+      </p:nvGrpSpPr>
+      <p:grpSpPr>
+        <a:xfrm>
+          <a:off x="0" y="0"/>
+          <a:ext cx="0" cy="0"/>
+          <a:chOff x="0" y="0"/>
+          <a:chExt cx="0" cy="0"/>
+        </a:xfrm>
+      </p:grpSpPr>
+      <p:pic>
+        <p:nvPicPr>
+          <p:cNvPr id="6" name="Picture 5">
+            <a:extLst>
+              <a:ext uri="{FF2B5EF4-FFF2-40B4-BE49-F238E27FC236}">
+                <a16:creationId xmlns:a16="http://schemas.microsoft.com/office/drawing/2014/main" id="{637F02D6-82FE-446D-9A9E-418A4C15A353}"/>
+              </a:ext>
+            </a:extLst>
+          </p:cNvPr>
+          <p:cNvPicPr>
+            <a:picLocks noChangeAspect="1"/>
+          </p:cNvPicPr>
+          <p:nvPr/>
+        </p:nvPicPr>
+        <p:blipFill>
+          <a:blip r:embed="rId2"/>
+          <a:stretch>
+            <a:fillRect/>
+          </a:stretch>
+        </p:blipFill>
+        <p:spPr>
+          <a:xfrm>
+            <a:off x="1167940" y="1081042"/>
+            <a:ext cx="1098660" cy="996314"/>
+          </a:xfrm>
+          <a:prstGeom prst="rect">
+            <a:avLst/>
+          </a:prstGeom>
+        </p:spPr>
+      </p:pic>
+      <p:sp>
+        <p:nvSpPr>
+          <p:cNvPr id="3" name="Título 2">
+            <a:extLst>
+              <a:ext uri="{FF2B5EF4-FFF2-40B4-BE49-F238E27FC236}">
+                <a16:creationId xmlns:a16="http://schemas.microsoft.com/office/drawing/2014/main" id="{189DE859-B875-4740-8013-26542D34B9C4}"/>
+              </a:ext>
+            </a:extLst>
+          </p:cNvPr>
+          <p:cNvSpPr>
+            <a:spLocks noGrp="1"/>
+          </p:cNvSpPr>
+          <p:nvPr>
+            <p:ph type="title"/>
+          </p:nvPr>
+        </p:nvSpPr>
+        <p:spPr>
+          <a:xfrm>
+            <a:off x="2504927" y="1081042"/>
+            <a:ext cx="5893594" cy="669727"/>
+          </a:xfrm>
+        </p:spPr>
+        <p:txBody>
+          <a:bodyPr/>
+          <a:lstStyle/>
+          <a:p>
+            <a:r>
+              <a:rPr lang="es-ES" dirty="0" err="1"/>
+              <a:t>The</a:t>
+            </a:r>
+            <a:r>
+              <a:rPr lang="es-ES" dirty="0"/>
+              <a:t> </a:t>
+            </a:r>
+            <a:r>
+              <a:rPr lang="es-ES" dirty="0" err="1"/>
+              <a:t>north</a:t>
+            </a:r>
+            <a:r>
+              <a:rPr lang="es-ES" dirty="0"/>
+              <a:t> </a:t>
+            </a:r>
+            <a:r>
+              <a:rPr lang="es-ES" dirty="0" err="1"/>
+              <a:t>remembers</a:t>
+            </a:r>
+            <a:r>
+              <a:rPr lang="es-ES" dirty="0"/>
+              <a:t>… (</a:t>
+            </a:r>
+            <a:r>
+              <a:rPr lang="es-ES" dirty="0" err="1"/>
+              <a:t>briefly</a:t>
+            </a:r>
+            <a:r>
+              <a:rPr lang="es-ES"/>
+              <a:t>)</a:t>
+            </a:r>
+            <a:endParaRPr lang="en-GB" dirty="0"/>
+          </a:p>
+        </p:txBody>
+      </p:sp>
+      <p:pic>
+        <p:nvPicPr>
+          <p:cNvPr id="4" name="Imagen 3">
+            <a:extLst>
+              <a:ext uri="{FF2B5EF4-FFF2-40B4-BE49-F238E27FC236}">
+                <a16:creationId xmlns:a16="http://schemas.microsoft.com/office/drawing/2014/main" id="{A5BEE4C2-C056-4351-B3C4-6EAB46BF92EB}"/>
+              </a:ext>
+            </a:extLst>
+          </p:cNvPr>
+          <p:cNvPicPr>
+            <a:picLocks noChangeAspect="1"/>
+          </p:cNvPicPr>
+          <p:nvPr/>
+        </p:nvPicPr>
+        <p:blipFill>
+          <a:blip r:embed="rId3"/>
+          <a:stretch>
+            <a:fillRect/>
+          </a:stretch>
+        </p:blipFill>
+        <p:spPr>
+          <a:xfrm>
+            <a:off x="681242" y="2409417"/>
+            <a:ext cx="7647079" cy="4448583"/>
+          </a:xfrm>
+          <a:prstGeom prst="rect">
+            <a:avLst/>
+          </a:prstGeom>
+        </p:spPr>
+      </p:pic>
+    </p:spTree>
+    <p:extLst>
+      <p:ext uri="{BB962C8B-B14F-4D97-AF65-F5344CB8AC3E}">
+        <p14:creationId xmlns:p14="http://schemas.microsoft.com/office/powerpoint/2010/main" val="1435270584"/>
+      </p:ext>
+    </p:extLst>
+  </p:cSld>
+  <p:clrMapOvr>
+    <a:masterClrMapping/>
+  </p:clrMapOvr>
+  <p:transition/>
+</p:sld>
+</file>
+
+<file path=ppt/slides/slide4.xml><?xml version="1.0" encoding="utf-8"?>
 <p:sld xmlns:a="http://schemas.openxmlformats.org/drawingml/2006/main" xmlns:r="http://schemas.openxmlformats.org/officeDocument/2006/relationships" xmlns:p="http://schemas.openxmlformats.org/presentationml/2006/main">
   <p:cSld>
     <p:spTree>
@@ -7538,7 +8310,7 @@
 </p:sld>
 </file>
 
-<file path=ppt/slides/slide4.xml><?xml version="1.0" encoding="utf-8"?>
+<file path=ppt/slides/slide5.xml><?xml version="1.0" encoding="utf-8"?>
 <p:sld xmlns:a="http://schemas.openxmlformats.org/drawingml/2006/main" xmlns:r="http://schemas.openxmlformats.org/officeDocument/2006/relationships" xmlns:p="http://schemas.openxmlformats.org/presentationml/2006/main">
   <p:cSld>
     <p:spTree>
@@ -7922,7 +8694,7 @@
 </p:sld>
 </file>
 
-<file path=ppt/slides/slide5.xml><?xml version="1.0" encoding="utf-8"?>
+<file path=ppt/slides/slide6.xml><?xml version="1.0" encoding="utf-8"?>
 <p:sld xmlns:a="http://schemas.openxmlformats.org/drawingml/2006/main" xmlns:r="http://schemas.openxmlformats.org/officeDocument/2006/relationships" xmlns:p="http://schemas.openxmlformats.org/presentationml/2006/main">
   <p:cSld>
     <p:spTree>
@@ -8187,7 +8959,7 @@
 </p:sld>
 </file>
 
-<file path=ppt/slides/slide6.xml><?xml version="1.0" encoding="utf-8"?>
+<file path=ppt/slides/slide7.xml><?xml version="1.0" encoding="utf-8"?>
 <p:sld xmlns:a="http://schemas.openxmlformats.org/drawingml/2006/main" xmlns:r="http://schemas.openxmlformats.org/officeDocument/2006/relationships" xmlns:p="http://schemas.openxmlformats.org/presentationml/2006/main">
   <p:cSld>
     <p:spTree>
@@ -8386,7 +9158,7 @@
 </p:sld>
 </file>
 
-<file path=ppt/slides/slide7.xml><?xml version="1.0" encoding="utf-8"?>
+<file path=ppt/slides/slide8.xml><?xml version="1.0" encoding="utf-8"?>
 <p:sld xmlns:a="http://schemas.openxmlformats.org/drawingml/2006/main" xmlns:r="http://schemas.openxmlformats.org/officeDocument/2006/relationships" xmlns:p="http://schemas.openxmlformats.org/presentationml/2006/main">
   <p:cSld>
     <p:spTree>
@@ -8537,7 +9309,7 @@
 </p:sld>
 </file>
 
-<file path=ppt/slides/slide8.xml><?xml version="1.0" encoding="utf-8"?>
+<file path=ppt/slides/slide9.xml><?xml version="1.0" encoding="utf-8"?>
 <p:sld xmlns:a="http://schemas.openxmlformats.org/drawingml/2006/main" xmlns:r="http://schemas.openxmlformats.org/officeDocument/2006/relationships" xmlns:p="http://schemas.openxmlformats.org/presentationml/2006/main">
   <p:cSld>
     <p:spTree>
@@ -8846,460 +9618,6 @@
     <p:extLst>
       <p:ext uri="{BB962C8B-B14F-4D97-AF65-F5344CB8AC3E}">
         <p14:creationId xmlns:p14="http://schemas.microsoft.com/office/powerpoint/2010/main" val="1094811872"/>
-      </p:ext>
-    </p:extLst>
-  </p:cSld>
-  <p:clrMapOvr>
-    <a:masterClrMapping/>
-  </p:clrMapOvr>
-  <p:transition/>
-</p:sld>
-</file>
-
-<file path=ppt/slides/slide9.xml><?xml version="1.0" encoding="utf-8"?>
-<p:sld xmlns:a="http://schemas.openxmlformats.org/drawingml/2006/main" xmlns:r="http://schemas.openxmlformats.org/officeDocument/2006/relationships" xmlns:p="http://schemas.openxmlformats.org/presentationml/2006/main">
-  <p:cSld>
-    <p:spTree>
-      <p:nvGrpSpPr>
-        <p:cNvPr id="1" name=""/>
-        <p:cNvGrpSpPr/>
-        <p:nvPr/>
-      </p:nvGrpSpPr>
-      <p:grpSpPr>
-        <a:xfrm>
-          <a:off x="0" y="0"/>
-          <a:ext cx="0" cy="0"/>
-          <a:chOff x="0" y="0"/>
-          <a:chExt cx="0" cy="0"/>
-        </a:xfrm>
-      </p:grpSpPr>
-      <p:pic>
-        <p:nvPicPr>
-          <p:cNvPr id="6" name="Picture 5">
-            <a:extLst>
-              <a:ext uri="{FF2B5EF4-FFF2-40B4-BE49-F238E27FC236}">
-                <a16:creationId xmlns:a16="http://schemas.microsoft.com/office/drawing/2014/main" id="{637F02D6-82FE-446D-9A9E-418A4C15A353}"/>
-              </a:ext>
-            </a:extLst>
-          </p:cNvPr>
-          <p:cNvPicPr>
-            <a:picLocks noChangeAspect="1"/>
-          </p:cNvPicPr>
-          <p:nvPr/>
-        </p:nvPicPr>
-        <p:blipFill>
-          <a:blip r:embed="rId3"/>
-          <a:stretch>
-            <a:fillRect/>
-          </a:stretch>
-        </p:blipFill>
-        <p:spPr>
-          <a:xfrm>
-            <a:off x="1167940" y="1081042"/>
-            <a:ext cx="1098660" cy="996314"/>
-          </a:xfrm>
-          <a:prstGeom prst="rect">
-            <a:avLst/>
-          </a:prstGeom>
-        </p:spPr>
-      </p:pic>
-      <p:sp>
-        <p:nvSpPr>
-          <p:cNvPr id="3" name="Título 2">
-            <a:extLst>
-              <a:ext uri="{FF2B5EF4-FFF2-40B4-BE49-F238E27FC236}">
-                <a16:creationId xmlns:a16="http://schemas.microsoft.com/office/drawing/2014/main" id="{189DE859-B875-4740-8013-26542D34B9C4}"/>
-              </a:ext>
-            </a:extLst>
-          </p:cNvPr>
-          <p:cNvSpPr>
-            <a:spLocks noGrp="1"/>
-          </p:cNvSpPr>
-          <p:nvPr>
-            <p:ph type="title"/>
-          </p:nvPr>
-        </p:nvSpPr>
-        <p:spPr>
-          <a:xfrm>
-            <a:off x="2432355" y="1081042"/>
-            <a:ext cx="5893594" cy="669727"/>
-          </a:xfrm>
-        </p:spPr>
-        <p:txBody>
-          <a:bodyPr/>
-          <a:lstStyle/>
-          <a:p>
-            <a:r>
-              <a:rPr lang="es-ES" dirty="0"/>
-              <a:t>¿Who are </a:t>
-            </a:r>
-            <a:r>
-              <a:rPr lang="es-ES" dirty="0" err="1"/>
-              <a:t>the</a:t>
-            </a:r>
-            <a:r>
-              <a:rPr lang="es-ES" dirty="0"/>
-              <a:t> </a:t>
-            </a:r>
-            <a:r>
-              <a:rPr lang="es-ES" dirty="0" err="1"/>
-              <a:t>actors</a:t>
-            </a:r>
-            <a:r>
-              <a:rPr lang="es-ES" dirty="0"/>
-              <a:t>?</a:t>
-            </a:r>
-            <a:endParaRPr lang="en-GB" dirty="0"/>
-          </a:p>
-        </p:txBody>
-      </p:sp>
-      <p:sp>
-        <p:nvSpPr>
-          <p:cNvPr id="7" name="Marcador de contenido 6">
-            <a:extLst>
-              <a:ext uri="{FF2B5EF4-FFF2-40B4-BE49-F238E27FC236}">
-                <a16:creationId xmlns:a16="http://schemas.microsoft.com/office/drawing/2014/main" id="{388F8D4D-1969-4F72-B30E-0628E8D183D2}"/>
-              </a:ext>
-            </a:extLst>
-          </p:cNvPr>
-          <p:cNvSpPr>
-            <a:spLocks noGrp="1"/>
-          </p:cNvSpPr>
-          <p:nvPr>
-            <p:ph sz="quarter" idx="10"/>
-          </p:nvPr>
-        </p:nvSpPr>
-        <p:spPr>
-          <a:xfrm>
-            <a:off x="2266600" y="2502202"/>
-            <a:ext cx="6059349" cy="3985683"/>
-          </a:xfrm>
-        </p:spPr>
-        <p:txBody>
-          <a:bodyPr/>
-          <a:lstStyle/>
-          <a:p>
-            <a:pPr marL="0" indent="0">
-              <a:buNone/>
-            </a:pPr>
-            <a:endParaRPr lang="es-ES" dirty="0"/>
-          </a:p>
-          <a:p>
-            <a:pPr>
-              <a:buFontTx/>
-              <a:buChar char="-"/>
-            </a:pPr>
-            <a:r>
-              <a:rPr lang="es-ES" sz="2000" i="0" dirty="0"/>
-              <a:t>Will </a:t>
-            </a:r>
-            <a:r>
-              <a:rPr lang="es-ES" sz="2000" i="0" dirty="0" err="1"/>
-              <a:t>work</a:t>
-            </a:r>
-            <a:r>
-              <a:rPr lang="es-ES" sz="2000" i="0" dirty="0"/>
-              <a:t> in </a:t>
-            </a:r>
-            <a:r>
-              <a:rPr lang="es-ES" sz="2000" i="0" dirty="0" err="1"/>
-              <a:t>the</a:t>
-            </a:r>
-            <a:r>
-              <a:rPr lang="es-ES" sz="2000" i="0" dirty="0"/>
-              <a:t> </a:t>
-            </a:r>
-            <a:r>
-              <a:rPr lang="es-ES" sz="2000" i="0" dirty="0" err="1"/>
-              <a:t>Construction</a:t>
-            </a:r>
-            <a:r>
-              <a:rPr lang="es-ES" sz="2000" i="0" dirty="0"/>
-              <a:t> </a:t>
-            </a:r>
-            <a:r>
-              <a:rPr lang="es-ES" sz="2000" i="0" dirty="0" err="1"/>
-              <a:t>Site</a:t>
-            </a:r>
-            <a:endParaRPr lang="es-ES" sz="2000" i="0" dirty="0"/>
-          </a:p>
-          <a:p>
-            <a:pPr>
-              <a:buFontTx/>
-              <a:buChar char="-"/>
-            </a:pPr>
-            <a:endParaRPr lang="es-ES" sz="2000" i="0" dirty="0"/>
-          </a:p>
-          <a:p>
-            <a:pPr>
-              <a:buFontTx/>
-              <a:buChar char="-"/>
-            </a:pPr>
-            <a:endParaRPr lang="es-ES" sz="2000" i="0" dirty="0"/>
-          </a:p>
-          <a:p>
-            <a:pPr>
-              <a:buFontTx/>
-              <a:buChar char="-"/>
-            </a:pPr>
-            <a:r>
-              <a:rPr lang="es-ES" sz="2000" i="0" dirty="0"/>
-              <a:t>Will </a:t>
-            </a:r>
-            <a:r>
-              <a:rPr lang="es-ES" sz="2000" i="0" dirty="0" err="1"/>
-              <a:t>work</a:t>
-            </a:r>
-            <a:r>
-              <a:rPr lang="es-ES" sz="2000" i="0" dirty="0"/>
-              <a:t> in a machine (</a:t>
-            </a:r>
-            <a:r>
-              <a:rPr lang="es-ES" sz="2000" i="0" dirty="0" err="1"/>
-              <a:t>with</a:t>
-            </a:r>
-            <a:r>
-              <a:rPr lang="es-ES" sz="2000" i="0" dirty="0"/>
-              <a:t> Co-</a:t>
-            </a:r>
-            <a:r>
-              <a:rPr lang="es-ES" sz="2000" i="0" dirty="0" err="1"/>
-              <a:t>Pilot</a:t>
-            </a:r>
-            <a:r>
-              <a:rPr lang="es-ES" sz="2000" i="0" dirty="0"/>
-              <a:t>)</a:t>
-            </a:r>
-          </a:p>
-          <a:p>
-            <a:pPr>
-              <a:buFontTx/>
-              <a:buChar char="-"/>
-            </a:pPr>
-            <a:endParaRPr lang="es-ES" sz="2000" i="0" dirty="0"/>
-          </a:p>
-          <a:p>
-            <a:pPr>
-              <a:buFontTx/>
-              <a:buChar char="-"/>
-            </a:pPr>
-            <a:endParaRPr lang="es-ES" sz="2000" i="0" dirty="0"/>
-          </a:p>
-          <a:p>
-            <a:pPr>
-              <a:buFontTx/>
-              <a:buChar char="-"/>
-            </a:pPr>
-            <a:r>
-              <a:rPr lang="es-ES" sz="2000" i="0" dirty="0"/>
-              <a:t>Will </a:t>
-            </a:r>
-            <a:r>
-              <a:rPr lang="es-ES" sz="2000" i="0" dirty="0" err="1"/>
-              <a:t>manage</a:t>
-            </a:r>
-            <a:r>
-              <a:rPr lang="es-ES" sz="2000" i="0" dirty="0"/>
-              <a:t> </a:t>
-            </a:r>
-            <a:r>
-              <a:rPr lang="es-ES" sz="2000" i="0" dirty="0" err="1"/>
-              <a:t>all</a:t>
-            </a:r>
-            <a:r>
-              <a:rPr lang="es-ES" sz="2000" i="0" dirty="0"/>
-              <a:t> </a:t>
-            </a:r>
-            <a:r>
-              <a:rPr lang="es-ES" sz="2000" i="0" dirty="0" err="1"/>
-              <a:t>about</a:t>
-            </a:r>
-            <a:r>
-              <a:rPr lang="es-ES" sz="2000" i="0" dirty="0"/>
-              <a:t> </a:t>
-            </a:r>
-            <a:r>
-              <a:rPr lang="es-ES" sz="2000" i="0" dirty="0" err="1"/>
-              <a:t>the</a:t>
-            </a:r>
-            <a:r>
-              <a:rPr lang="es-ES" sz="2000" i="0" dirty="0"/>
-              <a:t> </a:t>
-            </a:r>
-            <a:r>
-              <a:rPr lang="es-ES" sz="2000" i="0" dirty="0" err="1"/>
-              <a:t>Construction</a:t>
-            </a:r>
-            <a:r>
-              <a:rPr lang="es-ES" sz="2000" i="0" dirty="0"/>
-              <a:t> </a:t>
-            </a:r>
-            <a:r>
-              <a:rPr lang="es-ES" sz="2000" i="0" dirty="0" err="1"/>
-              <a:t>Site</a:t>
-            </a:r>
-            <a:r>
-              <a:rPr lang="es-ES" sz="2000" i="0" dirty="0"/>
-              <a:t> (</a:t>
-            </a:r>
-            <a:r>
-              <a:rPr lang="es-ES" sz="2000" i="0" dirty="0" err="1"/>
-              <a:t>Inside</a:t>
-            </a:r>
-            <a:r>
-              <a:rPr lang="es-ES" sz="2000" i="0" dirty="0"/>
-              <a:t> </a:t>
-            </a:r>
-            <a:r>
-              <a:rPr lang="es-ES" sz="2000" i="0" dirty="0" err="1"/>
-              <a:t>the</a:t>
-            </a:r>
-            <a:r>
-              <a:rPr lang="es-ES" sz="2000" i="0" dirty="0"/>
-              <a:t> </a:t>
-            </a:r>
-            <a:r>
-              <a:rPr lang="es-ES" sz="2000" i="0" dirty="0" err="1"/>
-              <a:t>Construction</a:t>
-            </a:r>
-            <a:r>
-              <a:rPr lang="es-ES" sz="2000" i="0" dirty="0"/>
-              <a:t> </a:t>
-            </a:r>
-            <a:r>
-              <a:rPr lang="es-ES" sz="2000" i="0" dirty="0" err="1"/>
-              <a:t>Site</a:t>
-            </a:r>
-            <a:r>
-              <a:rPr lang="es-ES" sz="2000" i="0" dirty="0"/>
-              <a:t>)</a:t>
-            </a:r>
-          </a:p>
-          <a:p>
-            <a:pPr>
-              <a:buFontTx/>
-              <a:buChar char="-"/>
-            </a:pPr>
-            <a:endParaRPr lang="es-ES" sz="2000" i="0" dirty="0"/>
-          </a:p>
-          <a:p>
-            <a:pPr>
-              <a:buFontTx/>
-              <a:buChar char="-"/>
-            </a:pPr>
-            <a:r>
-              <a:rPr lang="es-ES" sz="2000" i="0" dirty="0"/>
-              <a:t>Will </a:t>
-            </a:r>
-            <a:r>
-              <a:rPr lang="es-ES" sz="2000" i="0" dirty="0" err="1"/>
-              <a:t>manage</a:t>
-            </a:r>
-            <a:r>
-              <a:rPr lang="es-ES" sz="2000" i="0" dirty="0"/>
-              <a:t> </a:t>
-            </a:r>
-            <a:r>
-              <a:rPr lang="es-ES" sz="2000" i="0" dirty="0" err="1"/>
-              <a:t>the</a:t>
-            </a:r>
-            <a:r>
-              <a:rPr lang="es-ES" sz="2000" i="0" dirty="0"/>
-              <a:t> </a:t>
-            </a:r>
-            <a:r>
-              <a:rPr lang="es-ES" sz="2000" i="0" dirty="0" err="1"/>
-              <a:t>workers</a:t>
-            </a:r>
-            <a:r>
-              <a:rPr lang="es-ES" sz="2000" i="0" dirty="0"/>
-              <a:t> </a:t>
-            </a:r>
-          </a:p>
-          <a:p>
-            <a:pPr marL="0" indent="0">
-              <a:buNone/>
-            </a:pPr>
-            <a:r>
-              <a:rPr lang="es-ES" sz="2000" i="0" dirty="0"/>
-              <a:t>   (</a:t>
-            </a:r>
-            <a:r>
-              <a:rPr lang="es-ES" sz="2000" i="0" dirty="0" err="1"/>
-              <a:t>Outside</a:t>
-            </a:r>
-            <a:r>
-              <a:rPr lang="es-ES" sz="2000" i="0" dirty="0"/>
-              <a:t> </a:t>
-            </a:r>
-            <a:r>
-              <a:rPr lang="es-ES" sz="2000" i="0" dirty="0" err="1"/>
-              <a:t>the</a:t>
-            </a:r>
-            <a:r>
-              <a:rPr lang="es-ES" sz="2000" i="0" dirty="0"/>
-              <a:t> </a:t>
-            </a:r>
-            <a:r>
-              <a:rPr lang="es-ES" sz="2000" i="0" dirty="0" err="1"/>
-              <a:t>Construction</a:t>
-            </a:r>
-            <a:r>
-              <a:rPr lang="es-ES" sz="2000" i="0" dirty="0"/>
-              <a:t> </a:t>
-            </a:r>
-            <a:r>
-              <a:rPr lang="es-ES" sz="2000" i="0" dirty="0" err="1"/>
-              <a:t>Site</a:t>
-            </a:r>
-            <a:r>
-              <a:rPr lang="es-ES" sz="2000" i="0" dirty="0"/>
-              <a:t>)</a:t>
-            </a:r>
-            <a:endParaRPr lang="en-GB" sz="2000" i="0" dirty="0"/>
-          </a:p>
-        </p:txBody>
-      </p:sp>
-      <p:pic>
-        <p:nvPicPr>
-          <p:cNvPr id="5" name="Imagen 4">
-            <a:extLst>
-              <a:ext uri="{FF2B5EF4-FFF2-40B4-BE49-F238E27FC236}">
-                <a16:creationId xmlns:a16="http://schemas.microsoft.com/office/drawing/2014/main" id="{A37C43B2-D678-4FA1-8675-D0BAE2CB9DC3}"/>
-              </a:ext>
-            </a:extLst>
-          </p:cNvPr>
-          <p:cNvPicPr>
-            <a:picLocks noChangeAspect="1"/>
-          </p:cNvPicPr>
-          <p:nvPr/>
-        </p:nvPicPr>
-        <p:blipFill>
-          <a:blip r:embed="rId4">
-            <a:extLst>
-              <a:ext uri="{28A0092B-C50C-407E-A947-70E740481C1C}">
-                <a14:useLocalDpi xmlns:a14="http://schemas.microsoft.com/office/drawing/2010/main" val="0"/>
-              </a:ext>
-            </a:extLst>
-          </a:blip>
-          <a:stretch>
-            <a:fillRect/>
-          </a:stretch>
-        </p:blipFill>
-        <p:spPr>
-          <a:xfrm>
-            <a:off x="742387" y="2248925"/>
-            <a:ext cx="1524213" cy="4413131"/>
-          </a:xfrm>
-          <a:prstGeom prst="rect">
-            <a:avLst/>
-          </a:prstGeom>
-        </p:spPr>
-      </p:pic>
-    </p:spTree>
-    <p:extLst>
-      <p:ext uri="{BB962C8B-B14F-4D97-AF65-F5344CB8AC3E}">
-        <p14:creationId xmlns:p14="http://schemas.microsoft.com/office/powerpoint/2010/main" val="2690570539"/>
       </p:ext>
     </p:extLst>
   </p:cSld>
